--- a/App_Data/PowerPoint/Input_Template.pptx
+++ b/App_Data/PowerPoint/Input_Template.pptx
@@ -7,7 +7,8 @@
   <p:sldIdLst>
     <p:sldId id="256" r:id="rId2"/>
     <p:sldId id="262" r:id="rId3"/>
-    <p:sldId id="261" r:id="rId4"/>
+    <p:sldId id="260" r:id="rId4"/>
+    <p:sldId id="261" r:id="rId5"/>
   </p:sldIdLst>
   <p:sldSz cx="12192000" cy="6858000"/>
   <p:notesSz cx="6858000" cy="9144000"/>
@@ -114,6 +115,1031 @@
 </p:presentation>
 </file>
 
+<file path=ppt/charts/chart1.xml><?xml version="1.0" encoding="utf-8"?>
+<c:chartSpace xmlns:c="http://schemas.openxmlformats.org/drawingml/2006/chart" xmlns:a="http://schemas.openxmlformats.org/drawingml/2006/main" xmlns:r="http://schemas.openxmlformats.org/officeDocument/2006/relationships" xmlns:c16r2="http://schemas.microsoft.com/office/drawing/2015/06/chart">
+  <c:date1904 val="0"/>
+  <c:lang val="en-US"/>
+  <c:roundedCorners val="0"/>
+  <mc:AlternateContent xmlns:mc="http://schemas.openxmlformats.org/markup-compatibility/2006">
+    <mc:Choice xmlns:c14="http://schemas.microsoft.com/office/drawing/2007/8/2/chart" Requires="c14">
+      <c14:style val="102"/>
+    </mc:Choice>
+    <mc:Fallback>
+      <c:style val="2"/>
+    </mc:Fallback>
+  </mc:AlternateContent>
+  <c:chart>
+    <c:title>
+      <c:tx>
+        <c:rich>
+          <a:bodyPr rot="0" spcFirstLastPara="1" vertOverflow="ellipsis" vert="horz" wrap="square" anchor="ctr" anchorCtr="1"/>
+          <a:lstStyle/>
+          <a:p>
+            <a:pPr>
+              <a:defRPr sz="1862" b="0" i="0" u="none" strike="noStrike" kern="1200" spc="0" baseline="0">
+                <a:solidFill>
+                  <a:schemeClr val="tx1">
+                    <a:lumMod val="65000"/>
+                    <a:lumOff val="35000"/>
+                  </a:schemeClr>
+                </a:solidFill>
+                <a:latin typeface="+mn-lt"/>
+                <a:ea typeface="+mn-ea"/>
+                <a:cs typeface="+mn-cs"/>
+              </a:defRPr>
+            </a:pPr>
+            <a:r>
+              <a:rPr lang="en-US" dirty="0"/>
+              <a:t>Sales comparison</a:t>
+            </a:r>
+          </a:p>
+        </c:rich>
+      </c:tx>
+      <c:overlay val="0"/>
+      <c:spPr>
+        <a:noFill/>
+        <a:ln>
+          <a:noFill/>
+        </a:ln>
+        <a:effectLst/>
+      </c:spPr>
+      <c:txPr>
+        <a:bodyPr rot="0" spcFirstLastPara="1" vertOverflow="ellipsis" vert="horz" wrap="square" anchor="ctr" anchorCtr="1"/>
+        <a:lstStyle/>
+        <a:p>
+          <a:pPr>
+            <a:defRPr sz="1862" b="0" i="0" u="none" strike="noStrike" kern="1200" spc="0" baseline="0">
+              <a:solidFill>
+                <a:schemeClr val="tx1">
+                  <a:lumMod val="65000"/>
+                  <a:lumOff val="35000"/>
+                </a:schemeClr>
+              </a:solidFill>
+              <a:latin typeface="+mn-lt"/>
+              <a:ea typeface="+mn-ea"/>
+              <a:cs typeface="+mn-cs"/>
+            </a:defRPr>
+          </a:pPr>
+          <a:endParaRPr lang="en-US"/>
+        </a:p>
+      </c:txPr>
+    </c:title>
+    <c:autoTitleDeleted val="0"/>
+    <c:plotArea>
+      <c:layout/>
+      <c:barChart>
+        <c:barDir val="col"/>
+        <c:grouping val="clustered"/>
+        <c:varyColors val="0"/>
+        <c:ser>
+          <c:idx val="0"/>
+          <c:order val="0"/>
+          <c:tx>
+            <c:strRef>
+              <c:f>Sheet1!$B$1</c:f>
+              <c:strCache>
+                <c:ptCount val="1"/>
+                <c:pt idx="0">
+                  <c:v>Series 1</c:v>
+                </c:pt>
+              </c:strCache>
+            </c:strRef>
+          </c:tx>
+          <c:spPr>
+            <a:solidFill>
+              <a:schemeClr val="accent1"/>
+            </a:solidFill>
+            <a:ln>
+              <a:noFill/>
+            </a:ln>
+            <a:effectLst/>
+          </c:spPr>
+          <c:invertIfNegative val="0"/>
+          <c:cat>
+            <c:strRef>
+              <c:f>Sheet1!$A$2:$A$5</c:f>
+              <c:strCache>
+                <c:ptCount val="4"/>
+                <c:pt idx="0">
+                  <c:v>Category 1</c:v>
+                </c:pt>
+                <c:pt idx="1">
+                  <c:v>Category 2</c:v>
+                </c:pt>
+                <c:pt idx="2">
+                  <c:v>Category 3</c:v>
+                </c:pt>
+                <c:pt idx="3">
+                  <c:v>Category 4</c:v>
+                </c:pt>
+              </c:strCache>
+            </c:strRef>
+          </c:cat>
+          <c:val>
+            <c:numRef>
+              <c:f>Sheet1!$B$2:$B$5</c:f>
+              <c:numCache>
+                <c:formatCode>General</c:formatCode>
+                <c:ptCount val="4"/>
+                <c:pt idx="0">
+                  <c:v>4.3</c:v>
+                </c:pt>
+                <c:pt idx="1">
+                  <c:v>2.5</c:v>
+                </c:pt>
+                <c:pt idx="2">
+                  <c:v>3.5</c:v>
+                </c:pt>
+                <c:pt idx="3">
+                  <c:v>4.5</c:v>
+                </c:pt>
+              </c:numCache>
+            </c:numRef>
+          </c:val>
+          <c:extLst>
+            <c:ext xmlns:c16="http://schemas.microsoft.com/office/drawing/2014/chart" uri="{C3380CC4-5D6E-409C-BE32-E72D297353CC}">
+              <c16:uniqueId val="{00000000-AD57-4191-AAF5-BA179257C2BD}"/>
+            </c:ext>
+          </c:extLst>
+        </c:ser>
+        <c:ser>
+          <c:idx val="1"/>
+          <c:order val="1"/>
+          <c:tx>
+            <c:strRef>
+              <c:f>Sheet1!$C$1</c:f>
+              <c:strCache>
+                <c:ptCount val="1"/>
+                <c:pt idx="0">
+                  <c:v>Series 2</c:v>
+                </c:pt>
+              </c:strCache>
+            </c:strRef>
+          </c:tx>
+          <c:spPr>
+            <a:solidFill>
+              <a:schemeClr val="accent2"/>
+            </a:solidFill>
+            <a:ln>
+              <a:noFill/>
+            </a:ln>
+            <a:effectLst/>
+          </c:spPr>
+          <c:invertIfNegative val="0"/>
+          <c:cat>
+            <c:strRef>
+              <c:f>Sheet1!$A$2:$A$5</c:f>
+              <c:strCache>
+                <c:ptCount val="4"/>
+                <c:pt idx="0">
+                  <c:v>Category 1</c:v>
+                </c:pt>
+                <c:pt idx="1">
+                  <c:v>Category 2</c:v>
+                </c:pt>
+                <c:pt idx="2">
+                  <c:v>Category 3</c:v>
+                </c:pt>
+                <c:pt idx="3">
+                  <c:v>Category 4</c:v>
+                </c:pt>
+              </c:strCache>
+            </c:strRef>
+          </c:cat>
+          <c:val>
+            <c:numRef>
+              <c:f>Sheet1!$C$2:$C$5</c:f>
+              <c:numCache>
+                <c:formatCode>General</c:formatCode>
+                <c:ptCount val="4"/>
+                <c:pt idx="0">
+                  <c:v>2.4</c:v>
+                </c:pt>
+                <c:pt idx="1">
+                  <c:v>4.4000000000000004</c:v>
+                </c:pt>
+                <c:pt idx="2">
+                  <c:v>1.8</c:v>
+                </c:pt>
+                <c:pt idx="3">
+                  <c:v>2.8</c:v>
+                </c:pt>
+              </c:numCache>
+            </c:numRef>
+          </c:val>
+          <c:extLst>
+            <c:ext xmlns:c16="http://schemas.microsoft.com/office/drawing/2014/chart" uri="{C3380CC4-5D6E-409C-BE32-E72D297353CC}">
+              <c16:uniqueId val="{00000001-AD57-4191-AAF5-BA179257C2BD}"/>
+            </c:ext>
+          </c:extLst>
+        </c:ser>
+        <c:ser>
+          <c:idx val="2"/>
+          <c:order val="2"/>
+          <c:tx>
+            <c:strRef>
+              <c:f>Sheet1!$D$1</c:f>
+              <c:strCache>
+                <c:ptCount val="1"/>
+                <c:pt idx="0">
+                  <c:v>Series 3</c:v>
+                </c:pt>
+              </c:strCache>
+            </c:strRef>
+          </c:tx>
+          <c:spPr>
+            <a:solidFill>
+              <a:schemeClr val="accent3"/>
+            </a:solidFill>
+            <a:ln>
+              <a:noFill/>
+            </a:ln>
+            <a:effectLst/>
+          </c:spPr>
+          <c:invertIfNegative val="0"/>
+          <c:cat>
+            <c:strRef>
+              <c:f>Sheet1!$A$2:$A$5</c:f>
+              <c:strCache>
+                <c:ptCount val="4"/>
+                <c:pt idx="0">
+                  <c:v>Category 1</c:v>
+                </c:pt>
+                <c:pt idx="1">
+                  <c:v>Category 2</c:v>
+                </c:pt>
+                <c:pt idx="2">
+                  <c:v>Category 3</c:v>
+                </c:pt>
+                <c:pt idx="3">
+                  <c:v>Category 4</c:v>
+                </c:pt>
+              </c:strCache>
+            </c:strRef>
+          </c:cat>
+          <c:val>
+            <c:numRef>
+              <c:f>Sheet1!$D$2:$D$5</c:f>
+              <c:numCache>
+                <c:formatCode>General</c:formatCode>
+                <c:ptCount val="4"/>
+                <c:pt idx="0">
+                  <c:v>2</c:v>
+                </c:pt>
+                <c:pt idx="1">
+                  <c:v>2</c:v>
+                </c:pt>
+                <c:pt idx="2">
+                  <c:v>3</c:v>
+                </c:pt>
+                <c:pt idx="3">
+                  <c:v>5</c:v>
+                </c:pt>
+              </c:numCache>
+            </c:numRef>
+          </c:val>
+          <c:extLst>
+            <c:ext xmlns:c16="http://schemas.microsoft.com/office/drawing/2014/chart" uri="{C3380CC4-5D6E-409C-BE32-E72D297353CC}">
+              <c16:uniqueId val="{00000002-AD57-4191-AAF5-BA179257C2BD}"/>
+            </c:ext>
+          </c:extLst>
+        </c:ser>
+        <c:dLbls>
+          <c:showLegendKey val="0"/>
+          <c:showVal val="0"/>
+          <c:showCatName val="0"/>
+          <c:showSerName val="0"/>
+          <c:showPercent val="0"/>
+          <c:showBubbleSize val="0"/>
+        </c:dLbls>
+        <c:gapWidth val="219"/>
+        <c:overlap val="-27"/>
+        <c:axId val="524599032"/>
+        <c:axId val="524595752"/>
+      </c:barChart>
+      <c:catAx>
+        <c:axId val="524599032"/>
+        <c:scaling>
+          <c:orientation val="minMax"/>
+        </c:scaling>
+        <c:delete val="0"/>
+        <c:axPos val="b"/>
+        <c:numFmt formatCode="General" sourceLinked="1"/>
+        <c:majorTickMark val="none"/>
+        <c:minorTickMark val="none"/>
+        <c:tickLblPos val="nextTo"/>
+        <c:spPr>
+          <a:noFill/>
+          <a:ln w="9525" cap="flat" cmpd="sng" algn="ctr">
+            <a:solidFill>
+              <a:schemeClr val="tx1">
+                <a:lumMod val="15000"/>
+                <a:lumOff val="85000"/>
+              </a:schemeClr>
+            </a:solidFill>
+            <a:round/>
+          </a:ln>
+          <a:effectLst/>
+        </c:spPr>
+        <c:txPr>
+          <a:bodyPr rot="-60000000" spcFirstLastPara="1" vertOverflow="ellipsis" vert="horz" wrap="square" anchor="ctr" anchorCtr="1"/>
+          <a:lstStyle/>
+          <a:p>
+            <a:pPr>
+              <a:defRPr sz="1197" b="0" i="0" u="none" strike="noStrike" kern="1200" baseline="0">
+                <a:solidFill>
+                  <a:schemeClr val="tx1">
+                    <a:lumMod val="65000"/>
+                    <a:lumOff val="35000"/>
+                  </a:schemeClr>
+                </a:solidFill>
+                <a:latin typeface="+mn-lt"/>
+                <a:ea typeface="+mn-ea"/>
+                <a:cs typeface="+mn-cs"/>
+              </a:defRPr>
+            </a:pPr>
+            <a:endParaRPr lang="en-US"/>
+          </a:p>
+        </c:txPr>
+        <c:crossAx val="524595752"/>
+        <c:crosses val="autoZero"/>
+        <c:auto val="1"/>
+        <c:lblAlgn val="ctr"/>
+        <c:lblOffset val="100"/>
+        <c:noMultiLvlLbl val="0"/>
+      </c:catAx>
+      <c:valAx>
+        <c:axId val="524595752"/>
+        <c:scaling>
+          <c:orientation val="minMax"/>
+        </c:scaling>
+        <c:delete val="0"/>
+        <c:axPos val="l"/>
+        <c:majorGridlines>
+          <c:spPr>
+            <a:ln w="9525" cap="flat" cmpd="sng" algn="ctr">
+              <a:solidFill>
+                <a:schemeClr val="tx1">
+                  <a:lumMod val="15000"/>
+                  <a:lumOff val="85000"/>
+                </a:schemeClr>
+              </a:solidFill>
+              <a:round/>
+            </a:ln>
+            <a:effectLst/>
+          </c:spPr>
+        </c:majorGridlines>
+        <c:numFmt formatCode="General" sourceLinked="1"/>
+        <c:majorTickMark val="none"/>
+        <c:minorTickMark val="none"/>
+        <c:tickLblPos val="nextTo"/>
+        <c:spPr>
+          <a:noFill/>
+          <a:ln>
+            <a:noFill/>
+          </a:ln>
+          <a:effectLst/>
+        </c:spPr>
+        <c:txPr>
+          <a:bodyPr rot="-60000000" spcFirstLastPara="1" vertOverflow="ellipsis" vert="horz" wrap="square" anchor="ctr" anchorCtr="1"/>
+          <a:lstStyle/>
+          <a:p>
+            <a:pPr>
+              <a:defRPr sz="1197" b="0" i="0" u="none" strike="noStrike" kern="1200" baseline="0">
+                <a:solidFill>
+                  <a:schemeClr val="tx1">
+                    <a:lumMod val="65000"/>
+                    <a:lumOff val="35000"/>
+                  </a:schemeClr>
+                </a:solidFill>
+                <a:latin typeface="+mn-lt"/>
+                <a:ea typeface="+mn-ea"/>
+                <a:cs typeface="+mn-cs"/>
+              </a:defRPr>
+            </a:pPr>
+            <a:endParaRPr lang="en-US"/>
+          </a:p>
+        </c:txPr>
+        <c:crossAx val="524599032"/>
+        <c:crosses val="autoZero"/>
+        <c:crossBetween val="between"/>
+      </c:valAx>
+      <c:spPr>
+        <a:noFill/>
+        <a:ln>
+          <a:noFill/>
+        </a:ln>
+        <a:effectLst/>
+      </c:spPr>
+    </c:plotArea>
+    <c:legend>
+      <c:legendPos val="b"/>
+      <c:overlay val="0"/>
+      <c:spPr>
+        <a:noFill/>
+        <a:ln>
+          <a:noFill/>
+        </a:ln>
+        <a:effectLst/>
+      </c:spPr>
+      <c:txPr>
+        <a:bodyPr rot="0" spcFirstLastPara="1" vertOverflow="ellipsis" vert="horz" wrap="square" anchor="ctr" anchorCtr="1"/>
+        <a:lstStyle/>
+        <a:p>
+          <a:pPr>
+            <a:defRPr sz="1197" b="0" i="0" u="none" strike="noStrike" kern="1200" baseline="0">
+              <a:solidFill>
+                <a:schemeClr val="tx1">
+                  <a:lumMod val="65000"/>
+                  <a:lumOff val="35000"/>
+                </a:schemeClr>
+              </a:solidFill>
+              <a:latin typeface="+mn-lt"/>
+              <a:ea typeface="+mn-ea"/>
+              <a:cs typeface="+mn-cs"/>
+            </a:defRPr>
+          </a:pPr>
+          <a:endParaRPr lang="en-US"/>
+        </a:p>
+      </c:txPr>
+    </c:legend>
+    <c:plotVisOnly val="1"/>
+    <c:dispBlanksAs val="gap"/>
+    <c:extLst>
+      <c:ext xmlns:c16r3="http://schemas.microsoft.com/office/drawing/2017/03/chart" uri="{56B9EC1D-385E-4148-901F-78D8002777C0}">
+        <c16r3:dataDisplayOptions16>
+          <c16r3:dispNaAsBlank val="1"/>
+        </c16r3:dataDisplayOptions16>
+      </c:ext>
+    </c:extLst>
+    <c:showDLblsOverMax val="0"/>
+  </c:chart>
+  <c:spPr>
+    <a:noFill/>
+    <a:ln>
+      <a:noFill/>
+    </a:ln>
+    <a:effectLst/>
+  </c:spPr>
+  <c:txPr>
+    <a:bodyPr/>
+    <a:lstStyle/>
+    <a:p>
+      <a:pPr>
+        <a:defRPr/>
+      </a:pPr>
+      <a:endParaRPr lang="en-US"/>
+    </a:p>
+  </c:txPr>
+  <c:externalData r:id="rId3">
+    <c:autoUpdate val="0"/>
+  </c:externalData>
+</c:chartSpace>
+</file>
+
+<file path=ppt/charts/colors1.xml><?xml version="1.0" encoding="utf-8"?>
+<cs:colorStyle xmlns:cs="http://schemas.microsoft.com/office/drawing/2012/chartStyle" xmlns:a="http://schemas.openxmlformats.org/drawingml/2006/main" meth="cycle" id="10">
+  <a:schemeClr val="accent1"/>
+  <a:schemeClr val="accent2"/>
+  <a:schemeClr val="accent3"/>
+  <a:schemeClr val="accent4"/>
+  <a:schemeClr val="accent5"/>
+  <a:schemeClr val="accent6"/>
+  <cs:variation/>
+  <cs:variation>
+    <a:lumMod val="60000"/>
+  </cs:variation>
+  <cs:variation>
+    <a:lumMod val="80000"/>
+    <a:lumOff val="20000"/>
+  </cs:variation>
+  <cs:variation>
+    <a:lumMod val="80000"/>
+  </cs:variation>
+  <cs:variation>
+    <a:lumMod val="60000"/>
+    <a:lumOff val="40000"/>
+  </cs:variation>
+  <cs:variation>
+    <a:lumMod val="50000"/>
+  </cs:variation>
+  <cs:variation>
+    <a:lumMod val="70000"/>
+    <a:lumOff val="30000"/>
+  </cs:variation>
+  <cs:variation>
+    <a:lumMod val="70000"/>
+  </cs:variation>
+  <cs:variation>
+    <a:lumMod val="50000"/>
+    <a:lumOff val="50000"/>
+  </cs:variation>
+</cs:colorStyle>
+</file>
+
+<file path=ppt/charts/style1.xml><?xml version="1.0" encoding="utf-8"?>
+<cs:chartStyle xmlns:cs="http://schemas.microsoft.com/office/drawing/2012/chartStyle" xmlns:a="http://schemas.openxmlformats.org/drawingml/2006/main" id="201">
+  <cs:axisTitle>
+    <cs:lnRef idx="0"/>
+    <cs:fillRef idx="0"/>
+    <cs:effectRef idx="0"/>
+    <cs:fontRef idx="minor">
+      <a:schemeClr val="tx1">
+        <a:lumMod val="65000"/>
+        <a:lumOff val="35000"/>
+      </a:schemeClr>
+    </cs:fontRef>
+    <cs:defRPr sz="1330" kern="1200"/>
+  </cs:axisTitle>
+  <cs:categoryAxis>
+    <cs:lnRef idx="0"/>
+    <cs:fillRef idx="0"/>
+    <cs:effectRef idx="0"/>
+    <cs:fontRef idx="minor">
+      <a:schemeClr val="tx1">
+        <a:lumMod val="65000"/>
+        <a:lumOff val="35000"/>
+      </a:schemeClr>
+    </cs:fontRef>
+    <cs:spPr>
+      <a:ln w="9525" cap="flat" cmpd="sng" algn="ctr">
+        <a:solidFill>
+          <a:schemeClr val="tx1">
+            <a:lumMod val="15000"/>
+            <a:lumOff val="85000"/>
+          </a:schemeClr>
+        </a:solidFill>
+        <a:round/>
+      </a:ln>
+    </cs:spPr>
+    <cs:defRPr sz="1197" kern="1200"/>
+  </cs:categoryAxis>
+  <cs:chartArea mods="allowNoFillOverride allowNoLineOverride">
+    <cs:lnRef idx="0"/>
+    <cs:fillRef idx="0"/>
+    <cs:effectRef idx="0"/>
+    <cs:fontRef idx="minor">
+      <a:schemeClr val="tx1"/>
+    </cs:fontRef>
+    <cs:spPr>
+      <a:solidFill>
+        <a:schemeClr val="bg1"/>
+      </a:solidFill>
+      <a:ln w="9525" cap="flat" cmpd="sng" algn="ctr">
+        <a:solidFill>
+          <a:schemeClr val="tx1">
+            <a:lumMod val="15000"/>
+            <a:lumOff val="85000"/>
+          </a:schemeClr>
+        </a:solidFill>
+        <a:round/>
+      </a:ln>
+    </cs:spPr>
+    <cs:defRPr sz="1330" kern="1200"/>
+  </cs:chartArea>
+  <cs:dataLabel>
+    <cs:lnRef idx="0"/>
+    <cs:fillRef idx="0"/>
+    <cs:effectRef idx="0"/>
+    <cs:fontRef idx="minor">
+      <a:schemeClr val="tx1">
+        <a:lumMod val="75000"/>
+        <a:lumOff val="25000"/>
+      </a:schemeClr>
+    </cs:fontRef>
+    <cs:defRPr sz="1197" kern="1200"/>
+  </cs:dataLabel>
+  <cs:dataLabelCallout>
+    <cs:lnRef idx="0"/>
+    <cs:fillRef idx="0"/>
+    <cs:effectRef idx="0"/>
+    <cs:fontRef idx="minor">
+      <a:schemeClr val="dk1">
+        <a:lumMod val="65000"/>
+        <a:lumOff val="35000"/>
+      </a:schemeClr>
+    </cs:fontRef>
+    <cs:spPr>
+      <a:solidFill>
+        <a:schemeClr val="lt1"/>
+      </a:solidFill>
+      <a:ln>
+        <a:solidFill>
+          <a:schemeClr val="dk1">
+            <a:lumMod val="25000"/>
+            <a:lumOff val="75000"/>
+          </a:schemeClr>
+        </a:solidFill>
+      </a:ln>
+    </cs:spPr>
+    <cs:defRPr sz="1197" kern="1200"/>
+    <cs:bodyPr rot="0" spcFirstLastPara="1" vertOverflow="clip" horzOverflow="clip" vert="horz" wrap="square" lIns="36576" tIns="18288" rIns="36576" bIns="18288" anchor="ctr" anchorCtr="1">
+      <a:spAutoFit/>
+    </cs:bodyPr>
+  </cs:dataLabelCallout>
+  <cs:dataPoint>
+    <cs:lnRef idx="0"/>
+    <cs:fillRef idx="1">
+      <cs:styleClr val="auto"/>
+    </cs:fillRef>
+    <cs:effectRef idx="0"/>
+    <cs:fontRef idx="minor">
+      <a:schemeClr val="tx1"/>
+    </cs:fontRef>
+  </cs:dataPoint>
+  <cs:dataPoint3D>
+    <cs:lnRef idx="0"/>
+    <cs:fillRef idx="1">
+      <cs:styleClr val="auto"/>
+    </cs:fillRef>
+    <cs:effectRef idx="0"/>
+    <cs:fontRef idx="minor">
+      <a:schemeClr val="tx1"/>
+    </cs:fontRef>
+  </cs:dataPoint3D>
+  <cs:dataPointLine>
+    <cs:lnRef idx="0">
+      <cs:styleClr val="auto"/>
+    </cs:lnRef>
+    <cs:fillRef idx="1"/>
+    <cs:effectRef idx="0"/>
+    <cs:fontRef idx="minor">
+      <a:schemeClr val="tx1"/>
+    </cs:fontRef>
+    <cs:spPr>
+      <a:ln w="28575" cap="rnd">
+        <a:solidFill>
+          <a:schemeClr val="phClr"/>
+        </a:solidFill>
+        <a:round/>
+      </a:ln>
+    </cs:spPr>
+  </cs:dataPointLine>
+  <cs:dataPointMarker>
+    <cs:lnRef idx="0">
+      <cs:styleClr val="auto"/>
+    </cs:lnRef>
+    <cs:fillRef idx="1">
+      <cs:styleClr val="auto"/>
+    </cs:fillRef>
+    <cs:effectRef idx="0"/>
+    <cs:fontRef idx="minor">
+      <a:schemeClr val="tx1"/>
+    </cs:fontRef>
+    <cs:spPr>
+      <a:ln w="9525">
+        <a:solidFill>
+          <a:schemeClr val="phClr"/>
+        </a:solidFill>
+      </a:ln>
+    </cs:spPr>
+  </cs:dataPointMarker>
+  <cs:dataPointMarkerLayout symbol="circle" size="5"/>
+  <cs:dataPointWireframe>
+    <cs:lnRef idx="0">
+      <cs:styleClr val="auto"/>
+    </cs:lnRef>
+    <cs:fillRef idx="1"/>
+    <cs:effectRef idx="0"/>
+    <cs:fontRef idx="minor">
+      <a:schemeClr val="tx1"/>
+    </cs:fontRef>
+    <cs:spPr>
+      <a:ln w="9525" cap="rnd">
+        <a:solidFill>
+          <a:schemeClr val="phClr"/>
+        </a:solidFill>
+        <a:round/>
+      </a:ln>
+    </cs:spPr>
+  </cs:dataPointWireframe>
+  <cs:dataTable>
+    <cs:lnRef idx="0"/>
+    <cs:fillRef idx="0"/>
+    <cs:effectRef idx="0"/>
+    <cs:fontRef idx="minor">
+      <a:schemeClr val="tx1">
+        <a:lumMod val="65000"/>
+        <a:lumOff val="35000"/>
+      </a:schemeClr>
+    </cs:fontRef>
+    <cs:spPr>
+      <a:noFill/>
+      <a:ln w="9525" cap="flat" cmpd="sng" algn="ctr">
+        <a:solidFill>
+          <a:schemeClr val="tx1">
+            <a:lumMod val="15000"/>
+            <a:lumOff val="85000"/>
+          </a:schemeClr>
+        </a:solidFill>
+        <a:round/>
+      </a:ln>
+    </cs:spPr>
+    <cs:defRPr sz="1197" kern="1200"/>
+  </cs:dataTable>
+  <cs:downBar>
+    <cs:lnRef idx="0"/>
+    <cs:fillRef idx="0"/>
+    <cs:effectRef idx="0"/>
+    <cs:fontRef idx="minor">
+      <a:schemeClr val="dk1"/>
+    </cs:fontRef>
+    <cs:spPr>
+      <a:solidFill>
+        <a:schemeClr val="dk1">
+          <a:lumMod val="65000"/>
+          <a:lumOff val="35000"/>
+        </a:schemeClr>
+      </a:solidFill>
+      <a:ln w="9525">
+        <a:solidFill>
+          <a:schemeClr val="tx1">
+            <a:lumMod val="65000"/>
+            <a:lumOff val="35000"/>
+          </a:schemeClr>
+        </a:solidFill>
+      </a:ln>
+    </cs:spPr>
+  </cs:downBar>
+  <cs:dropLine>
+    <cs:lnRef idx="0"/>
+    <cs:fillRef idx="0"/>
+    <cs:effectRef idx="0"/>
+    <cs:fontRef idx="minor">
+      <a:schemeClr val="tx1"/>
+    </cs:fontRef>
+    <cs:spPr>
+      <a:ln w="9525" cap="flat" cmpd="sng" algn="ctr">
+        <a:solidFill>
+          <a:schemeClr val="tx1">
+            <a:lumMod val="35000"/>
+            <a:lumOff val="65000"/>
+          </a:schemeClr>
+        </a:solidFill>
+        <a:round/>
+      </a:ln>
+    </cs:spPr>
+  </cs:dropLine>
+  <cs:errorBar>
+    <cs:lnRef idx="0"/>
+    <cs:fillRef idx="0"/>
+    <cs:effectRef idx="0"/>
+    <cs:fontRef idx="minor">
+      <a:schemeClr val="tx1"/>
+    </cs:fontRef>
+    <cs:spPr>
+      <a:ln w="9525" cap="flat" cmpd="sng" algn="ctr">
+        <a:solidFill>
+          <a:schemeClr val="tx1">
+            <a:lumMod val="65000"/>
+            <a:lumOff val="35000"/>
+          </a:schemeClr>
+        </a:solidFill>
+        <a:round/>
+      </a:ln>
+    </cs:spPr>
+  </cs:errorBar>
+  <cs:floor>
+    <cs:lnRef idx="0"/>
+    <cs:fillRef idx="0"/>
+    <cs:effectRef idx="0"/>
+    <cs:fontRef idx="minor">
+      <a:schemeClr val="tx1"/>
+    </cs:fontRef>
+    <cs:spPr>
+      <a:noFill/>
+      <a:ln>
+        <a:noFill/>
+      </a:ln>
+    </cs:spPr>
+  </cs:floor>
+  <cs:gridlineMajor>
+    <cs:lnRef idx="0"/>
+    <cs:fillRef idx="0"/>
+    <cs:effectRef idx="0"/>
+    <cs:fontRef idx="minor">
+      <a:schemeClr val="tx1"/>
+    </cs:fontRef>
+    <cs:spPr>
+      <a:ln w="9525" cap="flat" cmpd="sng" algn="ctr">
+        <a:solidFill>
+          <a:schemeClr val="tx1">
+            <a:lumMod val="15000"/>
+            <a:lumOff val="85000"/>
+          </a:schemeClr>
+        </a:solidFill>
+        <a:round/>
+      </a:ln>
+    </cs:spPr>
+  </cs:gridlineMajor>
+  <cs:gridlineMinor>
+    <cs:lnRef idx="0"/>
+    <cs:fillRef idx="0"/>
+    <cs:effectRef idx="0"/>
+    <cs:fontRef idx="minor">
+      <a:schemeClr val="tx1"/>
+    </cs:fontRef>
+    <cs:spPr>
+      <a:ln w="9525" cap="flat" cmpd="sng" algn="ctr">
+        <a:solidFill>
+          <a:schemeClr val="tx1">
+            <a:lumMod val="5000"/>
+            <a:lumOff val="95000"/>
+          </a:schemeClr>
+        </a:solidFill>
+        <a:round/>
+      </a:ln>
+    </cs:spPr>
+  </cs:gridlineMinor>
+  <cs:hiLoLine>
+    <cs:lnRef idx="0"/>
+    <cs:fillRef idx="0"/>
+    <cs:effectRef idx="0"/>
+    <cs:fontRef idx="minor">
+      <a:schemeClr val="tx1"/>
+    </cs:fontRef>
+    <cs:spPr>
+      <a:ln w="9525" cap="flat" cmpd="sng" algn="ctr">
+        <a:solidFill>
+          <a:schemeClr val="tx1">
+            <a:lumMod val="75000"/>
+            <a:lumOff val="25000"/>
+          </a:schemeClr>
+        </a:solidFill>
+        <a:round/>
+      </a:ln>
+    </cs:spPr>
+  </cs:hiLoLine>
+  <cs:leaderLine>
+    <cs:lnRef idx="0"/>
+    <cs:fillRef idx="0"/>
+    <cs:effectRef idx="0"/>
+    <cs:fontRef idx="minor">
+      <a:schemeClr val="tx1"/>
+    </cs:fontRef>
+    <cs:spPr>
+      <a:ln w="9525" cap="flat" cmpd="sng" algn="ctr">
+        <a:solidFill>
+          <a:schemeClr val="tx1">
+            <a:lumMod val="35000"/>
+            <a:lumOff val="65000"/>
+          </a:schemeClr>
+        </a:solidFill>
+        <a:round/>
+      </a:ln>
+    </cs:spPr>
+  </cs:leaderLine>
+  <cs:legend>
+    <cs:lnRef idx="0"/>
+    <cs:fillRef idx="0"/>
+    <cs:effectRef idx="0"/>
+    <cs:fontRef idx="minor">
+      <a:schemeClr val="tx1">
+        <a:lumMod val="65000"/>
+        <a:lumOff val="35000"/>
+      </a:schemeClr>
+    </cs:fontRef>
+    <cs:defRPr sz="1197" kern="1200"/>
+  </cs:legend>
+  <cs:plotArea mods="allowNoFillOverride allowNoLineOverride">
+    <cs:lnRef idx="0"/>
+    <cs:fillRef idx="0"/>
+    <cs:effectRef idx="0"/>
+    <cs:fontRef idx="minor">
+      <a:schemeClr val="tx1"/>
+    </cs:fontRef>
+  </cs:plotArea>
+  <cs:plotArea3D mods="allowNoFillOverride allowNoLineOverride">
+    <cs:lnRef idx="0"/>
+    <cs:fillRef idx="0"/>
+    <cs:effectRef idx="0"/>
+    <cs:fontRef idx="minor">
+      <a:schemeClr val="tx1"/>
+    </cs:fontRef>
+  </cs:plotArea3D>
+  <cs:seriesAxis>
+    <cs:lnRef idx="0"/>
+    <cs:fillRef idx="0"/>
+    <cs:effectRef idx="0"/>
+    <cs:fontRef idx="minor">
+      <a:schemeClr val="tx1">
+        <a:lumMod val="65000"/>
+        <a:lumOff val="35000"/>
+      </a:schemeClr>
+    </cs:fontRef>
+    <cs:defRPr sz="1197" kern="1200"/>
+  </cs:seriesAxis>
+  <cs:seriesLine>
+    <cs:lnRef idx="0"/>
+    <cs:fillRef idx="0"/>
+    <cs:effectRef idx="0"/>
+    <cs:fontRef idx="minor">
+      <a:schemeClr val="tx1"/>
+    </cs:fontRef>
+    <cs:spPr>
+      <a:ln w="9525" cap="flat" cmpd="sng" algn="ctr">
+        <a:solidFill>
+          <a:schemeClr val="tx1">
+            <a:lumMod val="35000"/>
+            <a:lumOff val="65000"/>
+          </a:schemeClr>
+        </a:solidFill>
+        <a:round/>
+      </a:ln>
+    </cs:spPr>
+  </cs:seriesLine>
+  <cs:title>
+    <cs:lnRef idx="0"/>
+    <cs:fillRef idx="0"/>
+    <cs:effectRef idx="0"/>
+    <cs:fontRef idx="minor">
+      <a:schemeClr val="tx1">
+        <a:lumMod val="65000"/>
+        <a:lumOff val="35000"/>
+      </a:schemeClr>
+    </cs:fontRef>
+    <cs:defRPr sz="1862" b="0" kern="1200" spc="0" baseline="0"/>
+  </cs:title>
+  <cs:trendline>
+    <cs:lnRef idx="0">
+      <cs:styleClr val="auto"/>
+    </cs:lnRef>
+    <cs:fillRef idx="0"/>
+    <cs:effectRef idx="0"/>
+    <cs:fontRef idx="minor">
+      <a:schemeClr val="tx1"/>
+    </cs:fontRef>
+    <cs:spPr>
+      <a:ln w="19050" cap="rnd">
+        <a:solidFill>
+          <a:schemeClr val="phClr"/>
+        </a:solidFill>
+        <a:prstDash val="sysDot"/>
+      </a:ln>
+    </cs:spPr>
+  </cs:trendline>
+  <cs:trendlineLabel>
+    <cs:lnRef idx="0"/>
+    <cs:fillRef idx="0"/>
+    <cs:effectRef idx="0"/>
+    <cs:fontRef idx="minor">
+      <a:schemeClr val="tx1">
+        <a:lumMod val="65000"/>
+        <a:lumOff val="35000"/>
+      </a:schemeClr>
+    </cs:fontRef>
+    <cs:defRPr sz="1197" kern="1200"/>
+  </cs:trendlineLabel>
+  <cs:upBar>
+    <cs:lnRef idx="0"/>
+    <cs:fillRef idx="0"/>
+    <cs:effectRef idx="0"/>
+    <cs:fontRef idx="minor">
+      <a:schemeClr val="dk1"/>
+    </cs:fontRef>
+    <cs:spPr>
+      <a:solidFill>
+        <a:schemeClr val="lt1"/>
+      </a:solidFill>
+      <a:ln w="9525">
+        <a:solidFill>
+          <a:schemeClr val="tx1">
+            <a:lumMod val="15000"/>
+            <a:lumOff val="85000"/>
+          </a:schemeClr>
+        </a:solidFill>
+      </a:ln>
+    </cs:spPr>
+  </cs:upBar>
+  <cs:valueAxis>
+    <cs:lnRef idx="0"/>
+    <cs:fillRef idx="0"/>
+    <cs:effectRef idx="0"/>
+    <cs:fontRef idx="minor">
+      <a:schemeClr val="tx1">
+        <a:lumMod val="65000"/>
+        <a:lumOff val="35000"/>
+      </a:schemeClr>
+    </cs:fontRef>
+    <cs:defRPr sz="1197" kern="1200"/>
+  </cs:valueAxis>
+  <cs:wall>
+    <cs:lnRef idx="0"/>
+    <cs:fillRef idx="0"/>
+    <cs:effectRef idx="0"/>
+    <cs:fontRef idx="minor">
+      <a:schemeClr val="tx1"/>
+    </cs:fontRef>
+    <cs:spPr>
+      <a:noFill/>
+      <a:ln>
+        <a:noFill/>
+      </a:ln>
+    </cs:spPr>
+  </cs:wall>
+</cs:chartStyle>
+</file>
+
 <file path=ppt/slideLayouts/slideLayout1.xml><?xml version="1.0" encoding="utf-8"?>
 <p:sldLayout xmlns:a="http://schemas.openxmlformats.org/drawingml/2006/main" xmlns:r="http://schemas.openxmlformats.org/officeDocument/2006/relationships" xmlns:p="http://schemas.openxmlformats.org/presentationml/2006/main" type="title" preserve="1">
   <p:cSld name="Title Slide">
@@ -261,7 +1287,7 @@
           <a:p>
             <a:fld id="{5455A7CF-DB6C-4325-93B5-8C3F06D80356}" type="datetimeFigureOut">
               <a:rPr lang="en-US" smtClean="0"/>
-              <a:t>5/21/2024</a:t>
+              <a:t>5/13/2024</a:t>
             </a:fld>
             <a:endParaRPr lang="en-US"/>
           </a:p>
@@ -459,7 +1485,7 @@
           <a:p>
             <a:fld id="{5455A7CF-DB6C-4325-93B5-8C3F06D80356}" type="datetimeFigureOut">
               <a:rPr lang="en-US" smtClean="0"/>
-              <a:t>5/21/2024</a:t>
+              <a:t>5/13/2024</a:t>
             </a:fld>
             <a:endParaRPr lang="en-US"/>
           </a:p>
@@ -667,7 +1693,7 @@
           <a:p>
             <a:fld id="{5455A7CF-DB6C-4325-93B5-8C3F06D80356}" type="datetimeFigureOut">
               <a:rPr lang="en-US" smtClean="0"/>
-              <a:t>5/21/2024</a:t>
+              <a:t>5/13/2024</a:t>
             </a:fld>
             <a:endParaRPr lang="en-US"/>
           </a:p>
@@ -865,7 +1891,7 @@
           <a:p>
             <a:fld id="{5455A7CF-DB6C-4325-93B5-8C3F06D80356}" type="datetimeFigureOut">
               <a:rPr lang="en-US" smtClean="0"/>
-              <a:t>5/21/2024</a:t>
+              <a:t>5/13/2024</a:t>
             </a:fld>
             <a:endParaRPr lang="en-US"/>
           </a:p>
@@ -1140,7 +2166,7 @@
           <a:p>
             <a:fld id="{5455A7CF-DB6C-4325-93B5-8C3F06D80356}" type="datetimeFigureOut">
               <a:rPr lang="en-US" smtClean="0"/>
-              <a:t>5/21/2024</a:t>
+              <a:t>5/13/2024</a:t>
             </a:fld>
             <a:endParaRPr lang="en-US"/>
           </a:p>
@@ -1405,7 +2431,7 @@
           <a:p>
             <a:fld id="{5455A7CF-DB6C-4325-93B5-8C3F06D80356}" type="datetimeFigureOut">
               <a:rPr lang="en-US" smtClean="0"/>
-              <a:t>5/21/2024</a:t>
+              <a:t>5/13/2024</a:t>
             </a:fld>
             <a:endParaRPr lang="en-US"/>
           </a:p>
@@ -1817,7 +2843,7 @@
           <a:p>
             <a:fld id="{5455A7CF-DB6C-4325-93B5-8C3F06D80356}" type="datetimeFigureOut">
               <a:rPr lang="en-US" smtClean="0"/>
-              <a:t>5/21/2024</a:t>
+              <a:t>5/13/2024</a:t>
             </a:fld>
             <a:endParaRPr lang="en-US"/>
           </a:p>
@@ -1958,7 +2984,7 @@
           <a:p>
             <a:fld id="{5455A7CF-DB6C-4325-93B5-8C3F06D80356}" type="datetimeFigureOut">
               <a:rPr lang="en-US" smtClean="0"/>
-              <a:t>5/21/2024</a:t>
+              <a:t>5/13/2024</a:t>
             </a:fld>
             <a:endParaRPr lang="en-US"/>
           </a:p>
@@ -2071,7 +3097,7 @@
           <a:p>
             <a:fld id="{5455A7CF-DB6C-4325-93B5-8C3F06D80356}" type="datetimeFigureOut">
               <a:rPr lang="en-US" smtClean="0"/>
-              <a:t>5/21/2024</a:t>
+              <a:t>5/13/2024</a:t>
             </a:fld>
             <a:endParaRPr lang="en-US"/>
           </a:p>
@@ -2382,7 +3408,7 @@
           <a:p>
             <a:fld id="{5455A7CF-DB6C-4325-93B5-8C3F06D80356}" type="datetimeFigureOut">
               <a:rPr lang="en-US" smtClean="0"/>
-              <a:t>5/21/2024</a:t>
+              <a:t>5/13/2024</a:t>
             </a:fld>
             <a:endParaRPr lang="en-US"/>
           </a:p>
@@ -2670,7 +3696,7 @@
           <a:p>
             <a:fld id="{5455A7CF-DB6C-4325-93B5-8C3F06D80356}" type="datetimeFigureOut">
               <a:rPr lang="en-US" smtClean="0"/>
-              <a:t>5/21/2024</a:t>
+              <a:t>5/13/2024</a:t>
             </a:fld>
             <a:endParaRPr lang="en-US"/>
           </a:p>
@@ -2911,7 +3937,7 @@
           <a:p>
             <a:fld id="{5455A7CF-DB6C-4325-93B5-8C3F06D80356}" type="datetimeFigureOut">
               <a:rPr lang="en-US" smtClean="0"/>
-              <a:t>5/21/2024</a:t>
+              <a:t>5/13/2024</a:t>
             </a:fld>
             <a:endParaRPr lang="en-US"/>
           </a:p>
@@ -4140,6 +5166,64 @@
           <a:chExt cx="0" cy="0"/>
         </a:xfrm>
       </p:grpSpPr>
+      <p:graphicFrame>
+        <p:nvGraphicFramePr>
+          <p:cNvPr id="4" name="Chart 3">
+            <a:extLst>
+              <a:ext uri="{FF2B5EF4-FFF2-40B4-BE49-F238E27FC236}">
+                <a16:creationId xmlns:a16="http://schemas.microsoft.com/office/drawing/2014/main" id="{3275F726-C0B5-47DE-BC71-6DFED385E2E6}"/>
+              </a:ext>
+            </a:extLst>
+          </p:cNvPr>
+          <p:cNvGraphicFramePr/>
+          <p:nvPr>
+            <p:extLst>
+              <p:ext uri="{D42A27DB-BD31-4B8C-83A1-F6EECF244321}">
+                <p14:modId xmlns:p14="http://schemas.microsoft.com/office/powerpoint/2010/main" val="351699678"/>
+              </p:ext>
+            </p:extLst>
+          </p:nvPr>
+        </p:nvGraphicFramePr>
+        <p:xfrm>
+          <a:off x="2032000" y="719666"/>
+          <a:ext cx="8128000" cy="5418667"/>
+        </p:xfrm>
+        <a:graphic>
+          <a:graphicData uri="http://schemas.openxmlformats.org/drawingml/2006/chart">
+            <c:chart xmlns:c="http://schemas.openxmlformats.org/drawingml/2006/chart" xmlns:r="http://schemas.openxmlformats.org/officeDocument/2006/relationships" r:id="rId2"/>
+          </a:graphicData>
+        </a:graphic>
+      </p:graphicFrame>
+    </p:spTree>
+    <p:extLst>
+      <p:ext uri="{BB962C8B-B14F-4D97-AF65-F5344CB8AC3E}">
+        <p14:creationId xmlns:p14="http://schemas.microsoft.com/office/powerpoint/2010/main" val="4111059315"/>
+      </p:ext>
+    </p:extLst>
+  </p:cSld>
+  <p:clrMapOvr>
+    <a:masterClrMapping/>
+  </p:clrMapOvr>
+</p:sld>
+</file>
+
+<file path=ppt/slides/slide4.xml><?xml version="1.0" encoding="utf-8"?>
+<p:sld xmlns:a="http://schemas.openxmlformats.org/drawingml/2006/main" xmlns:r="http://schemas.openxmlformats.org/officeDocument/2006/relationships" xmlns:p="http://schemas.openxmlformats.org/presentationml/2006/main">
+  <p:cSld>
+    <p:spTree>
+      <p:nvGrpSpPr>
+        <p:cNvPr id="1" name=""/>
+        <p:cNvGrpSpPr/>
+        <p:nvPr/>
+      </p:nvGrpSpPr>
+      <p:grpSpPr>
+        <a:xfrm>
+          <a:off x="0" y="0"/>
+          <a:ext cx="0" cy="0"/>
+          <a:chOff x="0" y="0"/>
+          <a:chExt cx="0" cy="0"/>
+        </a:xfrm>
+      </p:grpSpPr>
       <p:sp>
         <p:nvSpPr>
           <p:cNvPr id="2" name="Title 1"/>

--- a/App_Data/PowerPoint/Input_Template.pptx
+++ b/App_Data/PowerPoint/Input_Template.pptx
@@ -6,9 +6,10 @@
   </p:sldMasterIdLst>
   <p:sldIdLst>
     <p:sldId id="256" r:id="rId2"/>
-    <p:sldId id="262" r:id="rId3"/>
-    <p:sldId id="260" r:id="rId4"/>
-    <p:sldId id="261" r:id="rId5"/>
+    <p:sldId id="263" r:id="rId3"/>
+    <p:sldId id="262" r:id="rId4"/>
+    <p:sldId id="260" r:id="rId5"/>
+    <p:sldId id="261" r:id="rId6"/>
   </p:sldIdLst>
   <p:sldSz cx="12192000" cy="6858000"/>
   <p:notesSz cx="6858000" cy="9144000"/>
@@ -1287,7 +1288,7 @@
           <a:p>
             <a:fld id="{5455A7CF-DB6C-4325-93B5-8C3F06D80356}" type="datetimeFigureOut">
               <a:rPr lang="en-US" smtClean="0"/>
-              <a:t>5/13/2024</a:t>
+              <a:t>3/4/2025</a:t>
             </a:fld>
             <a:endParaRPr lang="en-US"/>
           </a:p>
@@ -1485,7 +1486,7 @@
           <a:p>
             <a:fld id="{5455A7CF-DB6C-4325-93B5-8C3F06D80356}" type="datetimeFigureOut">
               <a:rPr lang="en-US" smtClean="0"/>
-              <a:t>5/13/2024</a:t>
+              <a:t>3/4/2025</a:t>
             </a:fld>
             <a:endParaRPr lang="en-US"/>
           </a:p>
@@ -1693,7 +1694,7 @@
           <a:p>
             <a:fld id="{5455A7CF-DB6C-4325-93B5-8C3F06D80356}" type="datetimeFigureOut">
               <a:rPr lang="en-US" smtClean="0"/>
-              <a:t>5/13/2024</a:t>
+              <a:t>3/4/2025</a:t>
             </a:fld>
             <a:endParaRPr lang="en-US"/>
           </a:p>
@@ -1891,7 +1892,7 @@
           <a:p>
             <a:fld id="{5455A7CF-DB6C-4325-93B5-8C3F06D80356}" type="datetimeFigureOut">
               <a:rPr lang="en-US" smtClean="0"/>
-              <a:t>5/13/2024</a:t>
+              <a:t>3/4/2025</a:t>
             </a:fld>
             <a:endParaRPr lang="en-US"/>
           </a:p>
@@ -2166,7 +2167,7 @@
           <a:p>
             <a:fld id="{5455A7CF-DB6C-4325-93B5-8C3F06D80356}" type="datetimeFigureOut">
               <a:rPr lang="en-US" smtClean="0"/>
-              <a:t>5/13/2024</a:t>
+              <a:t>3/4/2025</a:t>
             </a:fld>
             <a:endParaRPr lang="en-US"/>
           </a:p>
@@ -2431,7 +2432,7 @@
           <a:p>
             <a:fld id="{5455A7CF-DB6C-4325-93B5-8C3F06D80356}" type="datetimeFigureOut">
               <a:rPr lang="en-US" smtClean="0"/>
-              <a:t>5/13/2024</a:t>
+              <a:t>3/4/2025</a:t>
             </a:fld>
             <a:endParaRPr lang="en-US"/>
           </a:p>
@@ -2843,7 +2844,7 @@
           <a:p>
             <a:fld id="{5455A7CF-DB6C-4325-93B5-8C3F06D80356}" type="datetimeFigureOut">
               <a:rPr lang="en-US" smtClean="0"/>
-              <a:t>5/13/2024</a:t>
+              <a:t>3/4/2025</a:t>
             </a:fld>
             <a:endParaRPr lang="en-US"/>
           </a:p>
@@ -2984,7 +2985,7 @@
           <a:p>
             <a:fld id="{5455A7CF-DB6C-4325-93B5-8C3F06D80356}" type="datetimeFigureOut">
               <a:rPr lang="en-US" smtClean="0"/>
-              <a:t>5/13/2024</a:t>
+              <a:t>3/4/2025</a:t>
             </a:fld>
             <a:endParaRPr lang="en-US"/>
           </a:p>
@@ -3097,7 +3098,7 @@
           <a:p>
             <a:fld id="{5455A7CF-DB6C-4325-93B5-8C3F06D80356}" type="datetimeFigureOut">
               <a:rPr lang="en-US" smtClean="0"/>
-              <a:t>5/13/2024</a:t>
+              <a:t>3/4/2025</a:t>
             </a:fld>
             <a:endParaRPr lang="en-US"/>
           </a:p>
@@ -3408,7 +3409,7 @@
           <a:p>
             <a:fld id="{5455A7CF-DB6C-4325-93B5-8C3F06D80356}" type="datetimeFigureOut">
               <a:rPr lang="en-US" smtClean="0"/>
-              <a:t>5/13/2024</a:t>
+              <a:t>3/4/2025</a:t>
             </a:fld>
             <a:endParaRPr lang="en-US"/>
           </a:p>
@@ -3696,7 +3697,7 @@
           <a:p>
             <a:fld id="{5455A7CF-DB6C-4325-93B5-8C3F06D80356}" type="datetimeFigureOut">
               <a:rPr lang="en-US" smtClean="0"/>
-              <a:t>5/13/2024</a:t>
+              <a:t>3/4/2025</a:t>
             </a:fld>
             <a:endParaRPr lang="en-US"/>
           </a:p>
@@ -3937,7 +3938,7 @@
           <a:p>
             <a:fld id="{5455A7CF-DB6C-4325-93B5-8C3F06D80356}" type="datetimeFigureOut">
               <a:rPr lang="en-US" smtClean="0"/>
-              <a:t>5/13/2024</a:t>
+              <a:t>3/4/2025</a:t>
             </a:fld>
             <a:endParaRPr lang="en-US"/>
           </a:p>
@@ -4592,6 +4593,1770 @@
           <a:chExt cx="0" cy="0"/>
         </a:xfrm>
       </p:grpSpPr>
+      <p:graphicFrame>
+        <p:nvGraphicFramePr>
+          <p:cNvPr id="6" name="Table 5">
+            <a:extLst>
+              <a:ext uri="{FF2B5EF4-FFF2-40B4-BE49-F238E27FC236}">
+                <a16:creationId xmlns:a16="http://schemas.microsoft.com/office/drawing/2014/main" id="{94C7F234-8050-2FF0-96AF-E57E18D3288C}"/>
+              </a:ext>
+            </a:extLst>
+          </p:cNvPr>
+          <p:cNvGraphicFramePr>
+            <a:graphicFrameLocks noGrp="1"/>
+          </p:cNvGraphicFramePr>
+          <p:nvPr/>
+        </p:nvGraphicFramePr>
+        <p:xfrm>
+          <a:off x="588252" y="2946158"/>
+          <a:ext cx="10610690" cy="3760830"/>
+        </p:xfrm>
+        <a:graphic>
+          <a:graphicData uri="http://schemas.openxmlformats.org/drawingml/2006/table">
+            <a:tbl>
+              <a:tblPr firstCol="1" bandRow="1">
+                <a:tableStyleId>{7DF18680-E054-41AD-8BC1-D1AEF772440D}</a:tableStyleId>
+              </a:tblPr>
+              <a:tblGrid>
+                <a:gridCol w="2561201">
+                  <a:extLst>
+                    <a:ext uri="{9D8B030D-6E8A-4147-A177-3AD203B41FA5}">
+                      <a16:colId xmlns:a16="http://schemas.microsoft.com/office/drawing/2014/main" val="1464616093"/>
+                    </a:ext>
+                  </a:extLst>
+                </a:gridCol>
+                <a:gridCol w="8049489">
+                  <a:extLst>
+                    <a:ext uri="{9D8B030D-6E8A-4147-A177-3AD203B41FA5}">
+                      <a16:colId xmlns:a16="http://schemas.microsoft.com/office/drawing/2014/main" val="1192474542"/>
+                    </a:ext>
+                  </a:extLst>
+                </a:gridCol>
+              </a:tblGrid>
+              <a:tr h="890100">
+                <a:tc>
+                  <a:txBody>
+                    <a:bodyPr/>
+                    <a:lstStyle/>
+                    <a:p>
+                      <a:pPr marL="0" marR="0">
+                        <a:lnSpc>
+                          <a:spcPct val="107000"/>
+                        </a:lnSpc>
+                        <a:spcAft>
+                          <a:spcPts val="800"/>
+                        </a:spcAft>
+                      </a:pPr>
+                      <a:r>
+                        <a:rPr lang="en-US" sz="1200" dirty="0">
+                          <a:effectLst/>
+                        </a:rPr>
+                        <a:t>Project Vision</a:t>
+                      </a:r>
+                      <a:endParaRPr lang="en-US" sz="1100" dirty="0">
+                        <a:effectLst/>
+                        <a:latin typeface="Calibri" panose="020F0502020204030204" pitchFamily="34" charset="0"/>
+                        <a:ea typeface="Calibri" panose="020F0502020204030204" pitchFamily="34" charset="0"/>
+                        <a:cs typeface="Calibri" panose="020F0502020204030204" pitchFamily="34" charset="0"/>
+                      </a:endParaRPr>
+                    </a:p>
+                  </a:txBody>
+                  <a:tcPr marL="88900" marR="88900" marT="88900" marB="88900" anchor="ctr"/>
+                </a:tc>
+                <a:tc>
+                  <a:txBody>
+                    <a:bodyPr/>
+                    <a:lstStyle/>
+                    <a:p>
+                      <a:pPr marL="0" marR="0">
+                        <a:lnSpc>
+                          <a:spcPct val="107000"/>
+                        </a:lnSpc>
+                        <a:spcAft>
+                          <a:spcPts val="800"/>
+                        </a:spcAft>
+                      </a:pPr>
+                      <a:r>
+                        <a:rPr lang="en-US" sz="1200" dirty="0">
+                          <a:effectLst/>
+                        </a:rPr>
+                        <a:t>Launch a website on 4/18/2025 that allows customers to purchase products online and reflects Adventure Works Cycle having the highest quality and the best products in its category.</a:t>
+                      </a:r>
+                      <a:endParaRPr lang="en-US" sz="1100" dirty="0">
+                        <a:effectLst/>
+                        <a:latin typeface="Calibri" panose="020F0502020204030204" pitchFamily="34" charset="0"/>
+                        <a:ea typeface="Calibri" panose="020F0502020204030204" pitchFamily="34" charset="0"/>
+                        <a:cs typeface="Calibri" panose="020F0502020204030204" pitchFamily="34" charset="0"/>
+                      </a:endParaRPr>
+                    </a:p>
+                  </a:txBody>
+                  <a:tcPr marL="88900" marR="88900" marT="88900" marB="88900" anchor="ctr"/>
+                </a:tc>
+                <a:extLst>
+                  <a:ext uri="{0D108BD9-81ED-4DB2-BD59-A6C34878D82A}">
+                    <a16:rowId xmlns:a16="http://schemas.microsoft.com/office/drawing/2014/main" val="3649554764"/>
+                  </a:ext>
+                </a:extLst>
+              </a:tr>
+              <a:tr h="660210">
+                <a:tc>
+                  <a:txBody>
+                    <a:bodyPr/>
+                    <a:lstStyle/>
+                    <a:p>
+                      <a:pPr marL="0" marR="0">
+                        <a:lnSpc>
+                          <a:spcPct val="107000"/>
+                        </a:lnSpc>
+                        <a:spcAft>
+                          <a:spcPts val="800"/>
+                        </a:spcAft>
+                      </a:pPr>
+                      <a:r>
+                        <a:rPr lang="en-US" sz="1200">
+                          <a:effectLst/>
+                        </a:rPr>
+                        <a:t>Issues</a:t>
+                      </a:r>
+                      <a:endParaRPr lang="en-US" sz="1100">
+                        <a:effectLst/>
+                        <a:latin typeface="Calibri" panose="020F0502020204030204" pitchFamily="34" charset="0"/>
+                        <a:ea typeface="Calibri" panose="020F0502020204030204" pitchFamily="34" charset="0"/>
+                        <a:cs typeface="Calibri" panose="020F0502020204030204" pitchFamily="34" charset="0"/>
+                      </a:endParaRPr>
+                    </a:p>
+                  </a:txBody>
+                  <a:tcPr marL="88900" marR="88900" marT="88900" marB="88900" anchor="ctr"/>
+                </a:tc>
+                <a:tc>
+                  <a:txBody>
+                    <a:bodyPr/>
+                    <a:lstStyle/>
+                    <a:p>
+                      <a:pPr marL="0" marR="0">
+                        <a:lnSpc>
+                          <a:spcPct val="107000"/>
+                        </a:lnSpc>
+                        <a:spcAft>
+                          <a:spcPts val="800"/>
+                        </a:spcAft>
+                      </a:pPr>
+                      <a:r>
+                        <a:rPr lang="en-US" sz="1200" dirty="0">
+                          <a:effectLst/>
+                        </a:rPr>
+                        <a:t>By the end of next month, if we do not have a finalized product image, we will not be able to meet our deployment deadline.</a:t>
+                      </a:r>
+                      <a:endParaRPr lang="en-US" sz="1100" dirty="0">
+                        <a:effectLst/>
+                        <a:latin typeface="Calibri" panose="020F0502020204030204" pitchFamily="34" charset="0"/>
+                        <a:ea typeface="Calibri" panose="020F0502020204030204" pitchFamily="34" charset="0"/>
+                        <a:cs typeface="Calibri" panose="020F0502020204030204" pitchFamily="34" charset="0"/>
+                      </a:endParaRPr>
+                    </a:p>
+                  </a:txBody>
+                  <a:tcPr marL="88900" marR="88900" marT="88900" marB="88900" anchor="ctr"/>
+                </a:tc>
+                <a:extLst>
+                  <a:ext uri="{0D108BD9-81ED-4DB2-BD59-A6C34878D82A}">
+                    <a16:rowId xmlns:a16="http://schemas.microsoft.com/office/drawing/2014/main" val="3974283757"/>
+                  </a:ext>
+                </a:extLst>
+              </a:tr>
+              <a:tr h="660210">
+                <a:tc>
+                  <a:txBody>
+                    <a:bodyPr/>
+                    <a:lstStyle/>
+                    <a:p>
+                      <a:pPr marL="0" marR="0">
+                        <a:lnSpc>
+                          <a:spcPct val="107000"/>
+                        </a:lnSpc>
+                        <a:spcAft>
+                          <a:spcPts val="800"/>
+                        </a:spcAft>
+                      </a:pPr>
+                      <a:r>
+                        <a:rPr lang="en-US" sz="1200">
+                          <a:effectLst/>
+                        </a:rPr>
+                        <a:t>Milestone accomplished</a:t>
+                      </a:r>
+                      <a:endParaRPr lang="en-US" sz="1100">
+                        <a:effectLst/>
+                        <a:latin typeface="Calibri" panose="020F0502020204030204" pitchFamily="34" charset="0"/>
+                        <a:ea typeface="Calibri" panose="020F0502020204030204" pitchFamily="34" charset="0"/>
+                        <a:cs typeface="Calibri" panose="020F0502020204030204" pitchFamily="34" charset="0"/>
+                      </a:endParaRPr>
+                    </a:p>
+                  </a:txBody>
+                  <a:tcPr marL="88900" marR="88900" marT="88900" marB="88900" anchor="ctr"/>
+                </a:tc>
+                <a:tc>
+                  <a:txBody>
+                    <a:bodyPr/>
+                    <a:lstStyle/>
+                    <a:p>
+                      <a:pPr marL="0" marR="0">
+                        <a:lnSpc>
+                          <a:spcPct val="107000"/>
+                        </a:lnSpc>
+                        <a:spcAft>
+                          <a:spcPts val="800"/>
+                        </a:spcAft>
+                      </a:pPr>
+                      <a:r>
+                        <a:rPr lang="en-US" sz="1200" dirty="0">
+                          <a:effectLst/>
+                        </a:rPr>
+                        <a:t>Framed the basic structure of website.</a:t>
+                      </a:r>
+                      <a:br>
+                        <a:rPr lang="en-US" sz="1100" dirty="0">
+                          <a:effectLst/>
+                        </a:rPr>
+                      </a:br>
+                      <a:r>
+                        <a:rPr lang="en-US" sz="1200" dirty="0">
+                          <a:effectLst/>
+                        </a:rPr>
+                        <a:t>Applied for design review.</a:t>
+                      </a:r>
+                      <a:endParaRPr lang="en-US" sz="1100" dirty="0">
+                        <a:effectLst/>
+                        <a:latin typeface="Calibri" panose="020F0502020204030204" pitchFamily="34" charset="0"/>
+                        <a:ea typeface="Calibri" panose="020F0502020204030204" pitchFamily="34" charset="0"/>
+                        <a:cs typeface="Calibri" panose="020F0502020204030204" pitchFamily="34" charset="0"/>
+                      </a:endParaRPr>
+                    </a:p>
+                  </a:txBody>
+                  <a:tcPr marL="88900" marR="88900" marT="88900" marB="88900" anchor="ctr"/>
+                </a:tc>
+                <a:extLst>
+                  <a:ext uri="{0D108BD9-81ED-4DB2-BD59-A6C34878D82A}">
+                    <a16:rowId xmlns:a16="http://schemas.microsoft.com/office/drawing/2014/main" val="3424702825"/>
+                  </a:ext>
+                </a:extLst>
+              </a:tr>
+              <a:tr h="660210">
+                <a:tc>
+                  <a:txBody>
+                    <a:bodyPr/>
+                    <a:lstStyle/>
+                    <a:p>
+                      <a:pPr marL="0" marR="0">
+                        <a:lnSpc>
+                          <a:spcPct val="107000"/>
+                        </a:lnSpc>
+                        <a:spcAft>
+                          <a:spcPts val="800"/>
+                        </a:spcAft>
+                      </a:pPr>
+                      <a:r>
+                        <a:rPr lang="en-US" sz="1200" dirty="0">
+                          <a:effectLst/>
+                        </a:rPr>
+                        <a:t>Milestones planned for next week</a:t>
+                      </a:r>
+                      <a:endParaRPr lang="en-US" sz="1100" dirty="0">
+                        <a:effectLst/>
+                        <a:latin typeface="Calibri" panose="020F0502020204030204" pitchFamily="34" charset="0"/>
+                        <a:ea typeface="Calibri" panose="020F0502020204030204" pitchFamily="34" charset="0"/>
+                        <a:cs typeface="Calibri" panose="020F0502020204030204" pitchFamily="34" charset="0"/>
+                      </a:endParaRPr>
+                    </a:p>
+                  </a:txBody>
+                  <a:tcPr marL="88900" marR="88900" marT="88900" marB="88900" anchor="ctr"/>
+                </a:tc>
+                <a:tc>
+                  <a:txBody>
+                    <a:bodyPr/>
+                    <a:lstStyle/>
+                    <a:p>
+                      <a:pPr marL="0" marR="0">
+                        <a:lnSpc>
+                          <a:spcPct val="107000"/>
+                        </a:lnSpc>
+                        <a:spcAft>
+                          <a:spcPts val="800"/>
+                        </a:spcAft>
+                      </a:pPr>
+                      <a:r>
+                        <a:rPr lang="en-US" sz="1200" dirty="0">
+                          <a:effectLst/>
+                        </a:rPr>
+                        <a:t>Prepare design files for development.</a:t>
+                      </a:r>
+                      <a:br>
+                        <a:rPr lang="en-US" sz="1100" dirty="0">
+                          <a:effectLst/>
+                        </a:rPr>
+                      </a:br>
+                      <a:r>
+                        <a:rPr lang="en-US" sz="1200" dirty="0">
+                          <a:effectLst/>
+                        </a:rPr>
+                        <a:t>Start development - Sprint 1 (Homepage &amp; Product Detail Page).</a:t>
+                      </a:r>
+                      <a:endParaRPr lang="en-US" sz="1100" dirty="0">
+                        <a:effectLst/>
+                        <a:latin typeface="Calibri" panose="020F0502020204030204" pitchFamily="34" charset="0"/>
+                        <a:ea typeface="Calibri" panose="020F0502020204030204" pitchFamily="34" charset="0"/>
+                        <a:cs typeface="Calibri" panose="020F0502020204030204" pitchFamily="34" charset="0"/>
+                      </a:endParaRPr>
+                    </a:p>
+                  </a:txBody>
+                  <a:tcPr marL="88900" marR="88900" marT="88900" marB="88900" anchor="ctr"/>
+                </a:tc>
+                <a:extLst>
+                  <a:ext uri="{0D108BD9-81ED-4DB2-BD59-A6C34878D82A}">
+                    <a16:rowId xmlns:a16="http://schemas.microsoft.com/office/drawing/2014/main" val="888024937"/>
+                  </a:ext>
+                </a:extLst>
+              </a:tr>
+              <a:tr h="890100">
+                <a:tc>
+                  <a:txBody>
+                    <a:bodyPr/>
+                    <a:lstStyle/>
+                    <a:p>
+                      <a:pPr marL="0" marR="0">
+                        <a:lnSpc>
+                          <a:spcPct val="107000"/>
+                        </a:lnSpc>
+                        <a:spcAft>
+                          <a:spcPts val="800"/>
+                        </a:spcAft>
+                      </a:pPr>
+                      <a:r>
+                        <a:rPr lang="en-US" sz="1200" dirty="0">
+                          <a:effectLst/>
+                        </a:rPr>
+                        <a:t>Upcoming milestones</a:t>
+                      </a:r>
+                      <a:endParaRPr lang="en-US" sz="1100" dirty="0">
+                        <a:effectLst/>
+                        <a:latin typeface="Calibri" panose="020F0502020204030204" pitchFamily="34" charset="0"/>
+                        <a:ea typeface="Calibri" panose="020F0502020204030204" pitchFamily="34" charset="0"/>
+                        <a:cs typeface="Calibri" panose="020F0502020204030204" pitchFamily="34" charset="0"/>
+                      </a:endParaRPr>
+                    </a:p>
+                  </a:txBody>
+                  <a:tcPr marL="88900" marR="88900" marT="88900" marB="88900" anchor="ctr"/>
+                </a:tc>
+                <a:tc>
+                  <a:txBody>
+                    <a:bodyPr/>
+                    <a:lstStyle/>
+                    <a:p>
+                      <a:pPr marL="0" marR="0">
+                        <a:lnSpc>
+                          <a:spcPct val="107000"/>
+                        </a:lnSpc>
+                        <a:spcAft>
+                          <a:spcPts val="800"/>
+                        </a:spcAft>
+                      </a:pPr>
+                      <a:r>
+                        <a:rPr lang="en-US" sz="1200" dirty="0">
+                          <a:effectLst/>
+                        </a:rPr>
+                        <a:t>3/14/2025 : Design Approval</a:t>
+                      </a:r>
+                      <a:br>
+                        <a:rPr lang="en-US" sz="1100" dirty="0">
+                          <a:effectLst/>
+                        </a:rPr>
+                      </a:br>
+                      <a:r>
+                        <a:rPr lang="en-US" sz="1200" dirty="0">
+                          <a:effectLst/>
+                        </a:rPr>
+                        <a:t>3/29/2025 : Development Begins</a:t>
+                      </a:r>
+                      <a:br>
+                        <a:rPr lang="en-US" sz="1100" dirty="0">
+                          <a:effectLst/>
+                        </a:rPr>
+                      </a:br>
+                      <a:r>
+                        <a:rPr lang="en-US" sz="1200" dirty="0">
+                          <a:effectLst/>
+                        </a:rPr>
+                        <a:t>4/13/2025 : Deployment</a:t>
+                      </a:r>
+                      <a:endParaRPr lang="en-US" sz="1100" dirty="0">
+                        <a:effectLst/>
+                        <a:latin typeface="Calibri" panose="020F0502020204030204" pitchFamily="34" charset="0"/>
+                        <a:ea typeface="Calibri" panose="020F0502020204030204" pitchFamily="34" charset="0"/>
+                        <a:cs typeface="Calibri" panose="020F0502020204030204" pitchFamily="34" charset="0"/>
+                      </a:endParaRPr>
+                    </a:p>
+                  </a:txBody>
+                  <a:tcPr marL="88900" marR="88900" marT="88900" marB="88900" anchor="ctr"/>
+                </a:tc>
+                <a:extLst>
+                  <a:ext uri="{0D108BD9-81ED-4DB2-BD59-A6C34878D82A}">
+                    <a16:rowId xmlns:a16="http://schemas.microsoft.com/office/drawing/2014/main" val="4183265658"/>
+                  </a:ext>
+                </a:extLst>
+              </a:tr>
+            </a:tbl>
+          </a:graphicData>
+        </a:graphic>
+      </p:graphicFrame>
+      <p:sp>
+        <p:nvSpPr>
+          <p:cNvPr id="9" name="TextBox 8">
+            <a:extLst>
+              <a:ext uri="{FF2B5EF4-FFF2-40B4-BE49-F238E27FC236}">
+                <a16:creationId xmlns:a16="http://schemas.microsoft.com/office/drawing/2014/main" id="{A6D6B924-2B9F-B3DE-BBE1-E639A4ADAB3B}"/>
+              </a:ext>
+            </a:extLst>
+          </p:cNvPr>
+          <p:cNvSpPr txBox="1"/>
+          <p:nvPr/>
+        </p:nvSpPr>
+        <p:spPr>
+          <a:xfrm>
+            <a:off x="548640" y="1371600"/>
+            <a:ext cx="1698494" cy="369332"/>
+          </a:xfrm>
+          <a:prstGeom prst="rect">
+            <a:avLst/>
+          </a:prstGeom>
+          <a:noFill/>
+        </p:spPr>
+        <p:txBody>
+          <a:bodyPr wrap="square">
+            <a:spAutoFit/>
+          </a:bodyPr>
+          <a:lstStyle/>
+          <a:p>
+            <a:pPr marL="0" marR="0" lvl="0" indent="0" algn="l" defTabSz="914400" rtl="0" eaLnBrk="1" fontAlgn="auto" latinLnBrk="0" hangingPunct="1">
+              <a:lnSpc>
+                <a:spcPct val="100000"/>
+              </a:lnSpc>
+              <a:spcBef>
+                <a:spcPts val="0"/>
+              </a:spcBef>
+              <a:spcAft>
+                <a:spcPts val="0"/>
+              </a:spcAft>
+              <a:buClrTx/>
+              <a:buSzTx/>
+              <a:buFontTx/>
+              <a:buNone/>
+              <a:tabLst/>
+              <a:defRPr/>
+            </a:pPr>
+            <a:r>
+              <a:rPr kumimoji="0" lang="en-US" sz="1800" b="1" i="0" u="none" strike="noStrike" kern="1200" cap="none" spc="0" normalizeH="0" baseline="0" noProof="0" dirty="0">
+                <a:ln>
+                  <a:noFill/>
+                </a:ln>
+                <a:solidFill>
+                  <a:prstClr val="black"/>
+                </a:solidFill>
+                <a:effectLst/>
+                <a:uLnTx/>
+                <a:uFillTx/>
+                <a:latin typeface="Calibri" panose="020F0502020204030204" pitchFamily="34" charset="0"/>
+                <a:ea typeface="Calibri" panose="020F0502020204030204" pitchFamily="34" charset="0"/>
+                <a:cs typeface="Calibri" panose="020F0502020204030204" pitchFamily="34" charset="0"/>
+              </a:rPr>
+              <a:t>Date :</a:t>
+            </a:r>
+            <a:endParaRPr kumimoji="0" lang="en-US" sz="1800" b="0" i="0" u="none" strike="noStrike" kern="1200" cap="none" spc="0" normalizeH="0" baseline="0" noProof="0" dirty="0">
+              <a:ln>
+                <a:noFill/>
+              </a:ln>
+              <a:solidFill>
+                <a:prstClr val="black"/>
+              </a:solidFill>
+              <a:effectLst/>
+              <a:uLnTx/>
+              <a:uFillTx/>
+              <a:latin typeface="Calibri" panose="020F0502020204030204" pitchFamily="34" charset="0"/>
+              <a:ea typeface="Calibri" panose="020F0502020204030204" pitchFamily="34" charset="0"/>
+              <a:cs typeface="Calibri" panose="020F0502020204030204" pitchFamily="34" charset="0"/>
+            </a:endParaRPr>
+          </a:p>
+        </p:txBody>
+      </p:sp>
+      <p:sp>
+        <p:nvSpPr>
+          <p:cNvPr id="10" name="FormField_TextBox 9">
+            <a:extLst>
+              <a:ext uri="{FF2B5EF4-FFF2-40B4-BE49-F238E27FC236}">
+                <a16:creationId xmlns:a16="http://schemas.microsoft.com/office/drawing/2014/main" id="{197C4A2F-487A-7321-C8AD-A074D599DEE5}"/>
+              </a:ext>
+            </a:extLst>
+          </p:cNvPr>
+          <p:cNvSpPr txBox="1"/>
+          <p:nvPr/>
+        </p:nvSpPr>
+        <p:spPr>
+          <a:xfrm>
+            <a:off x="2553927" y="1371600"/>
+            <a:ext cx="1183337" cy="369332"/>
+          </a:xfrm>
+          <a:prstGeom prst="rect">
+            <a:avLst/>
+          </a:prstGeom>
+          <a:noFill/>
+        </p:spPr>
+        <p:txBody>
+          <a:bodyPr wrap="none" rtlCol="0">
+            <a:spAutoFit/>
+          </a:bodyPr>
+          <a:lstStyle/>
+          <a:p>
+            <a:pPr marL="0" marR="0" lvl="0" indent="0" algn="l" defTabSz="914400" rtl="0" eaLnBrk="1" fontAlgn="auto" latinLnBrk="0" hangingPunct="1">
+              <a:lnSpc>
+                <a:spcPct val="100000"/>
+              </a:lnSpc>
+              <a:spcBef>
+                <a:spcPts val="0"/>
+              </a:spcBef>
+              <a:spcAft>
+                <a:spcPts val="0"/>
+              </a:spcAft>
+              <a:buClrTx/>
+              <a:buSzTx/>
+              <a:buFontTx/>
+              <a:buNone/>
+              <a:tabLst/>
+              <a:defRPr/>
+            </a:pPr>
+            <a:r>
+              <a:rPr kumimoji="0" lang="en-US" sz="1800" b="0" i="0" u="none" strike="noStrike" kern="1200" cap="none" spc="0" normalizeH="0" baseline="0" noProof="0" dirty="0">
+                <a:ln>
+                  <a:noFill/>
+                </a:ln>
+                <a:solidFill>
+                  <a:srgbClr val="000000"/>
+                </a:solidFill>
+                <a:effectLst/>
+                <a:uLnTx/>
+                <a:uFillTx/>
+                <a:latin typeface="Calibri" panose="020F0502020204030204" pitchFamily="34" charset="0"/>
+                <a:ea typeface="Calibri" panose="020F0502020204030204" pitchFamily="34" charset="0"/>
+                <a:cs typeface="Calibri" panose="020F0502020204030204" pitchFamily="34" charset="0"/>
+              </a:rPr>
+              <a:t>2/27/2025</a:t>
+            </a:r>
+            <a:endParaRPr kumimoji="0" lang="en-US" sz="1800" b="0" i="0" u="none" strike="noStrike" kern="1200" cap="none" spc="0" normalizeH="0" baseline="0" noProof="0" dirty="0">
+              <a:ln>
+                <a:noFill/>
+              </a:ln>
+              <a:solidFill>
+                <a:prstClr val="black"/>
+              </a:solidFill>
+              <a:effectLst/>
+              <a:uLnTx/>
+              <a:uFillTx/>
+              <a:latin typeface="Calibri" panose="020F0502020204030204" pitchFamily="34" charset="0"/>
+              <a:ea typeface="Calibri" panose="020F0502020204030204" pitchFamily="34" charset="0"/>
+              <a:cs typeface="Calibri" panose="020F0502020204030204" pitchFamily="34" charset="0"/>
+            </a:endParaRPr>
+          </a:p>
+        </p:txBody>
+      </p:sp>
+      <p:sp>
+        <p:nvSpPr>
+          <p:cNvPr id="11" name="TextBox 10">
+            <a:extLst>
+              <a:ext uri="{FF2B5EF4-FFF2-40B4-BE49-F238E27FC236}">
+                <a16:creationId xmlns:a16="http://schemas.microsoft.com/office/drawing/2014/main" id="{D5554430-6FF4-BB15-4718-7594F7558754}"/>
+              </a:ext>
+            </a:extLst>
+          </p:cNvPr>
+          <p:cNvSpPr txBox="1"/>
+          <p:nvPr/>
+        </p:nvSpPr>
+        <p:spPr>
+          <a:xfrm>
+            <a:off x="548640" y="111684"/>
+            <a:ext cx="4111878" cy="595932"/>
+          </a:xfrm>
+          <a:prstGeom prst="rect">
+            <a:avLst/>
+          </a:prstGeom>
+          <a:noFill/>
+        </p:spPr>
+        <p:txBody>
+          <a:bodyPr wrap="square">
+            <a:spAutoFit/>
+          </a:bodyPr>
+          <a:lstStyle/>
+          <a:p>
+            <a:pPr marL="0" marR="0" lvl="0" indent="0" algn="l" defTabSz="914400" rtl="0" eaLnBrk="1" fontAlgn="auto" latinLnBrk="0" hangingPunct="1">
+              <a:lnSpc>
+                <a:spcPct val="107000"/>
+              </a:lnSpc>
+              <a:spcBef>
+                <a:spcPts val="0"/>
+              </a:spcBef>
+              <a:spcAft>
+                <a:spcPts val="800"/>
+              </a:spcAft>
+              <a:buClrTx/>
+              <a:buSzTx/>
+              <a:buFontTx/>
+              <a:buNone/>
+              <a:tabLst/>
+              <a:defRPr/>
+            </a:pPr>
+            <a:r>
+              <a:rPr kumimoji="0" lang="en-US" sz="3200" b="1" i="0" u="none" strike="noStrike" kern="1200" cap="none" spc="0" normalizeH="0" baseline="0" noProof="0" dirty="0">
+                <a:ln>
+                  <a:noFill/>
+                </a:ln>
+                <a:solidFill>
+                  <a:prstClr val="black"/>
+                </a:solidFill>
+                <a:effectLst/>
+                <a:uLnTx/>
+                <a:uFillTx/>
+                <a:latin typeface="Calibri" panose="020F0502020204030204" pitchFamily="34" charset="0"/>
+                <a:ea typeface="Calibri" panose="020F0502020204030204" pitchFamily="34" charset="0"/>
+                <a:cs typeface="Calibri" panose="020F0502020204030204" pitchFamily="34" charset="0"/>
+              </a:rPr>
+              <a:t>Project Status Report</a:t>
+            </a:r>
+            <a:endParaRPr kumimoji="0" lang="en-US" sz="1800" b="1" i="0" u="none" strike="noStrike" kern="1200" cap="none" spc="0" normalizeH="0" baseline="0" noProof="0" dirty="0">
+              <a:ln>
+                <a:noFill/>
+              </a:ln>
+              <a:solidFill>
+                <a:prstClr val="black"/>
+              </a:solidFill>
+              <a:effectLst/>
+              <a:uLnTx/>
+              <a:uFillTx/>
+              <a:latin typeface="Calibri" panose="020F0502020204030204" pitchFamily="34" charset="0"/>
+              <a:ea typeface="Calibri" panose="020F0502020204030204" pitchFamily="34" charset="0"/>
+              <a:cs typeface="Calibri" panose="020F0502020204030204" pitchFamily="34" charset="0"/>
+            </a:endParaRPr>
+          </a:p>
+        </p:txBody>
+      </p:sp>
+      <p:sp>
+        <p:nvSpPr>
+          <p:cNvPr id="12" name="TextBox 11">
+            <a:extLst>
+              <a:ext uri="{FF2B5EF4-FFF2-40B4-BE49-F238E27FC236}">
+                <a16:creationId xmlns:a16="http://schemas.microsoft.com/office/drawing/2014/main" id="{7A20EDBF-C07E-47F1-E82D-201E68C10164}"/>
+              </a:ext>
+            </a:extLst>
+          </p:cNvPr>
+          <p:cNvSpPr txBox="1"/>
+          <p:nvPr/>
+        </p:nvSpPr>
+        <p:spPr>
+          <a:xfrm>
+            <a:off x="548640" y="950976"/>
+            <a:ext cx="2369709" cy="369332"/>
+          </a:xfrm>
+          <a:prstGeom prst="rect">
+            <a:avLst/>
+          </a:prstGeom>
+          <a:noFill/>
+        </p:spPr>
+        <p:txBody>
+          <a:bodyPr wrap="square">
+            <a:spAutoFit/>
+          </a:bodyPr>
+          <a:lstStyle/>
+          <a:p>
+            <a:pPr marL="0" marR="0" lvl="0" indent="0" algn="l" defTabSz="914400" rtl="0" eaLnBrk="1" fontAlgn="auto" latinLnBrk="0" hangingPunct="1">
+              <a:lnSpc>
+                <a:spcPct val="100000"/>
+              </a:lnSpc>
+              <a:spcBef>
+                <a:spcPts val="0"/>
+              </a:spcBef>
+              <a:spcAft>
+                <a:spcPts val="0"/>
+              </a:spcAft>
+              <a:buClrTx/>
+              <a:buSzTx/>
+              <a:buFontTx/>
+              <a:buNone/>
+              <a:tabLst/>
+              <a:defRPr/>
+            </a:pPr>
+            <a:r>
+              <a:rPr kumimoji="0" lang="en-US" sz="1800" b="1" i="0" u="none" strike="noStrike" kern="1200" cap="none" spc="0" normalizeH="0" baseline="0" noProof="0" dirty="0">
+                <a:ln>
+                  <a:noFill/>
+                </a:ln>
+                <a:solidFill>
+                  <a:prstClr val="black"/>
+                </a:solidFill>
+                <a:effectLst/>
+                <a:uLnTx/>
+                <a:uFillTx/>
+                <a:latin typeface="Calibri" panose="020F0502020204030204" pitchFamily="34" charset="0"/>
+                <a:ea typeface="Calibri" panose="020F0502020204030204" pitchFamily="34" charset="0"/>
+                <a:cs typeface="Calibri" panose="020F0502020204030204" pitchFamily="34" charset="0"/>
+              </a:rPr>
+              <a:t>Status :</a:t>
+            </a:r>
+          </a:p>
+        </p:txBody>
+      </p:sp>
+      <p:sp>
+        <p:nvSpPr>
+          <p:cNvPr id="13" name="FormField_TextBox 12">
+            <a:extLst>
+              <a:ext uri="{FF2B5EF4-FFF2-40B4-BE49-F238E27FC236}">
+                <a16:creationId xmlns:a16="http://schemas.microsoft.com/office/drawing/2014/main" id="{6C84F9BC-5BE8-053A-6EC1-27B0E5E208E8}"/>
+              </a:ext>
+            </a:extLst>
+          </p:cNvPr>
+          <p:cNvSpPr txBox="1"/>
+          <p:nvPr/>
+        </p:nvSpPr>
+        <p:spPr>
+          <a:xfrm>
+            <a:off x="2553927" y="950976"/>
+            <a:ext cx="1232710" cy="369332"/>
+          </a:xfrm>
+          <a:prstGeom prst="rect">
+            <a:avLst/>
+          </a:prstGeom>
+          <a:noFill/>
+        </p:spPr>
+        <p:txBody>
+          <a:bodyPr wrap="none" rtlCol="0">
+            <a:spAutoFit/>
+          </a:bodyPr>
+          <a:lstStyle/>
+          <a:p>
+            <a:pPr marL="0" marR="0" lvl="0" indent="0" algn="l" defTabSz="914400" rtl="0" eaLnBrk="1" fontAlgn="auto" latinLnBrk="0" hangingPunct="1">
+              <a:lnSpc>
+                <a:spcPct val="100000"/>
+              </a:lnSpc>
+              <a:spcBef>
+                <a:spcPts val="0"/>
+              </a:spcBef>
+              <a:spcAft>
+                <a:spcPts val="0"/>
+              </a:spcAft>
+              <a:buClrTx/>
+              <a:buSzTx/>
+              <a:buFontTx/>
+              <a:buNone/>
+              <a:tabLst/>
+              <a:defRPr/>
+            </a:pPr>
+            <a:r>
+              <a:rPr kumimoji="0" lang="en-US" sz="1800" b="0" i="0" u="none" strike="noStrike" kern="1200" cap="none" spc="0" normalizeH="0" baseline="0" noProof="0" dirty="0">
+                <a:ln>
+                  <a:noFill/>
+                </a:ln>
+                <a:solidFill>
+                  <a:prstClr val="black"/>
+                </a:solidFill>
+                <a:effectLst/>
+                <a:uLnTx/>
+                <a:uFillTx/>
+                <a:latin typeface="Calibri" panose="020F0502020204030204" pitchFamily="34" charset="0"/>
+                <a:ea typeface="Calibri" panose="020F0502020204030204" pitchFamily="34" charset="0"/>
+                <a:cs typeface="Calibri" panose="020F0502020204030204" pitchFamily="34" charset="0"/>
+              </a:rPr>
+              <a:t>In-Progress</a:t>
+            </a:r>
+          </a:p>
+        </p:txBody>
+      </p:sp>
+      <p:sp>
+        <p:nvSpPr>
+          <p:cNvPr id="14" name="TextBox 13">
+            <a:extLst>
+              <a:ext uri="{FF2B5EF4-FFF2-40B4-BE49-F238E27FC236}">
+                <a16:creationId xmlns:a16="http://schemas.microsoft.com/office/drawing/2014/main" id="{0E445A13-0B30-07C1-858A-9145405B58A4}"/>
+              </a:ext>
+            </a:extLst>
+          </p:cNvPr>
+          <p:cNvSpPr txBox="1"/>
+          <p:nvPr/>
+        </p:nvSpPr>
+        <p:spPr>
+          <a:xfrm>
+            <a:off x="548640" y="1792224"/>
+            <a:ext cx="2007782" cy="377860"/>
+          </a:xfrm>
+          <a:prstGeom prst="rect">
+            <a:avLst/>
+          </a:prstGeom>
+          <a:noFill/>
+        </p:spPr>
+        <p:txBody>
+          <a:bodyPr wrap="square">
+            <a:spAutoFit/>
+          </a:bodyPr>
+          <a:lstStyle/>
+          <a:p>
+            <a:pPr marL="0" marR="0" lvl="0" indent="0" algn="l" defTabSz="914400" rtl="0" eaLnBrk="1" fontAlgn="auto" latinLnBrk="0" hangingPunct="1">
+              <a:lnSpc>
+                <a:spcPct val="107000"/>
+              </a:lnSpc>
+              <a:spcBef>
+                <a:spcPts val="0"/>
+              </a:spcBef>
+              <a:spcAft>
+                <a:spcPts val="2400"/>
+              </a:spcAft>
+              <a:buClrTx/>
+              <a:buSzTx/>
+              <a:buFontTx/>
+              <a:buNone/>
+              <a:tabLst/>
+              <a:defRPr/>
+            </a:pPr>
+            <a:r>
+              <a:rPr kumimoji="0" lang="en-US" sz="1800" b="1" i="0" u="none" strike="noStrike" kern="1200" cap="none" spc="0" normalizeH="0" baseline="0" noProof="0" dirty="0">
+                <a:ln>
+                  <a:noFill/>
+                </a:ln>
+                <a:solidFill>
+                  <a:prstClr val="black"/>
+                </a:solidFill>
+                <a:effectLst/>
+                <a:uLnTx/>
+                <a:uFillTx/>
+                <a:latin typeface="Calibri" panose="020F0502020204030204" pitchFamily="34" charset="0"/>
+                <a:ea typeface="Calibri" panose="020F0502020204030204" pitchFamily="34" charset="0"/>
+                <a:cs typeface="Calibri" panose="020F0502020204030204" pitchFamily="34" charset="0"/>
+              </a:rPr>
+              <a:t>Project Name : </a:t>
+            </a:r>
+            <a:endParaRPr kumimoji="0" lang="en-US" sz="1600" b="1" i="0" u="none" strike="noStrike" kern="1200" cap="none" spc="0" normalizeH="0" baseline="0" noProof="0" dirty="0">
+              <a:ln>
+                <a:noFill/>
+              </a:ln>
+              <a:solidFill>
+                <a:prstClr val="black"/>
+              </a:solidFill>
+              <a:effectLst/>
+              <a:uLnTx/>
+              <a:uFillTx/>
+              <a:latin typeface="Calibri" panose="020F0502020204030204" pitchFamily="34" charset="0"/>
+              <a:ea typeface="Calibri" panose="020F0502020204030204" pitchFamily="34" charset="0"/>
+              <a:cs typeface="Calibri" panose="020F0502020204030204" pitchFamily="34" charset="0"/>
+            </a:endParaRPr>
+          </a:p>
+        </p:txBody>
+      </p:sp>
+      <p:sp>
+        <p:nvSpPr>
+          <p:cNvPr id="15" name="FormField_TextBox 14">
+            <a:extLst>
+              <a:ext uri="{FF2B5EF4-FFF2-40B4-BE49-F238E27FC236}">
+                <a16:creationId xmlns:a16="http://schemas.microsoft.com/office/drawing/2014/main" id="{B7999298-A9AB-889F-264D-43DC5A1437EC}"/>
+              </a:ext>
+            </a:extLst>
+          </p:cNvPr>
+          <p:cNvSpPr txBox="1"/>
+          <p:nvPr/>
+        </p:nvSpPr>
+        <p:spPr>
+          <a:xfrm>
+            <a:off x="2553927" y="1792224"/>
+            <a:ext cx="3434466" cy="375552"/>
+          </a:xfrm>
+          <a:prstGeom prst="rect">
+            <a:avLst/>
+          </a:prstGeom>
+          <a:noFill/>
+        </p:spPr>
+        <p:txBody>
+          <a:bodyPr wrap="none" rtlCol="0">
+            <a:spAutoFit/>
+          </a:bodyPr>
+          <a:lstStyle/>
+          <a:p>
+            <a:pPr marL="0" marR="0" lvl="0" indent="0" algn="l" defTabSz="914400" rtl="0" eaLnBrk="1" fontAlgn="auto" latinLnBrk="0" hangingPunct="1">
+              <a:lnSpc>
+                <a:spcPct val="107000"/>
+              </a:lnSpc>
+              <a:spcBef>
+                <a:spcPts val="0"/>
+              </a:spcBef>
+              <a:spcAft>
+                <a:spcPts val="2400"/>
+              </a:spcAft>
+              <a:buClrTx/>
+              <a:buSzTx/>
+              <a:buFontTx/>
+              <a:buNone/>
+              <a:tabLst/>
+              <a:defRPr/>
+            </a:pPr>
+            <a:r>
+              <a:rPr kumimoji="0" lang="en-US" sz="1800" b="0" i="0" u="none" strike="noStrike" kern="1200" cap="none" spc="0" normalizeH="0" baseline="0" noProof="0" dirty="0">
+                <a:ln>
+                  <a:noFill/>
+                </a:ln>
+                <a:solidFill>
+                  <a:prstClr val="black"/>
+                </a:solidFill>
+                <a:effectLst/>
+                <a:uLnTx/>
+                <a:uFillTx/>
+                <a:latin typeface="Calibri" panose="020F0502020204030204" pitchFamily="34" charset="0"/>
+                <a:ea typeface="Calibri" panose="020F0502020204030204" pitchFamily="34" charset="0"/>
+                <a:cs typeface="Calibri" panose="020F0502020204030204" pitchFamily="34" charset="0"/>
+              </a:rPr>
+              <a:t>Website for Adventure works cycle</a:t>
+            </a:r>
+            <a:endParaRPr kumimoji="0" lang="en-US" sz="1600" b="0" i="0" u="none" strike="noStrike" kern="1200" cap="none" spc="0" normalizeH="0" baseline="0" noProof="0" dirty="0">
+              <a:ln>
+                <a:noFill/>
+              </a:ln>
+              <a:solidFill>
+                <a:prstClr val="black"/>
+              </a:solidFill>
+              <a:effectLst/>
+              <a:uLnTx/>
+              <a:uFillTx/>
+              <a:latin typeface="Calibri" panose="020F0502020204030204" pitchFamily="34" charset="0"/>
+              <a:ea typeface="Calibri" panose="020F0502020204030204" pitchFamily="34" charset="0"/>
+              <a:cs typeface="Calibri" panose="020F0502020204030204" pitchFamily="34" charset="0"/>
+            </a:endParaRPr>
+          </a:p>
+        </p:txBody>
+      </p:sp>
+      <p:sp>
+        <p:nvSpPr>
+          <p:cNvPr id="16" name="TextBox 15">
+            <a:extLst>
+              <a:ext uri="{FF2B5EF4-FFF2-40B4-BE49-F238E27FC236}">
+                <a16:creationId xmlns:a16="http://schemas.microsoft.com/office/drawing/2014/main" id="{398BC359-62F2-06AC-C4CB-EB9FB44E2181}"/>
+              </a:ext>
+            </a:extLst>
+          </p:cNvPr>
+          <p:cNvSpPr txBox="1"/>
+          <p:nvPr/>
+        </p:nvSpPr>
+        <p:spPr>
+          <a:xfrm>
+            <a:off x="548640" y="2304288"/>
+            <a:ext cx="2459958" cy="377860"/>
+          </a:xfrm>
+          <a:prstGeom prst="rect">
+            <a:avLst/>
+          </a:prstGeom>
+          <a:noFill/>
+        </p:spPr>
+        <p:txBody>
+          <a:bodyPr wrap="square">
+            <a:spAutoFit/>
+          </a:bodyPr>
+          <a:lstStyle/>
+          <a:p>
+            <a:pPr marL="0" marR="0" lvl="0" indent="0" algn="l" defTabSz="914400" rtl="0" eaLnBrk="1" fontAlgn="auto" latinLnBrk="0" hangingPunct="1">
+              <a:lnSpc>
+                <a:spcPct val="107000"/>
+              </a:lnSpc>
+              <a:spcBef>
+                <a:spcPts val="0"/>
+              </a:spcBef>
+              <a:spcAft>
+                <a:spcPts val="2400"/>
+              </a:spcAft>
+              <a:buClrTx/>
+              <a:buSzTx/>
+              <a:buFontTx/>
+              <a:buNone/>
+              <a:tabLst/>
+              <a:defRPr/>
+            </a:pPr>
+            <a:r>
+              <a:rPr kumimoji="0" lang="en-US" sz="1800" b="1" i="0" u="none" strike="noStrike" kern="1200" cap="none" spc="0" normalizeH="0" baseline="0" noProof="0" dirty="0">
+                <a:ln>
+                  <a:noFill/>
+                </a:ln>
+                <a:solidFill>
+                  <a:prstClr val="black"/>
+                </a:solidFill>
+                <a:effectLst/>
+                <a:uLnTx/>
+                <a:uFillTx/>
+                <a:latin typeface="Calibri" panose="020F0502020204030204" pitchFamily="34" charset="0"/>
+                <a:ea typeface="Calibri" panose="020F0502020204030204" pitchFamily="34" charset="0"/>
+                <a:cs typeface="Calibri" panose="020F0502020204030204" pitchFamily="34" charset="0"/>
+              </a:rPr>
+              <a:t>Project Manager :</a:t>
+            </a:r>
+            <a:r>
+              <a:rPr kumimoji="0" lang="en-US" sz="1800" b="0" i="0" u="none" strike="noStrike" kern="1200" cap="none" spc="0" normalizeH="0" baseline="0" noProof="0" dirty="0">
+                <a:ln>
+                  <a:noFill/>
+                </a:ln>
+                <a:solidFill>
+                  <a:prstClr val="black"/>
+                </a:solidFill>
+                <a:effectLst/>
+                <a:uLnTx/>
+                <a:uFillTx/>
+                <a:latin typeface="Calibri" panose="020F0502020204030204" pitchFamily="34" charset="0"/>
+                <a:ea typeface="Calibri" panose="020F0502020204030204" pitchFamily="34" charset="0"/>
+                <a:cs typeface="Calibri" panose="020F0502020204030204" pitchFamily="34" charset="0"/>
+              </a:rPr>
+              <a:t> </a:t>
+            </a:r>
+            <a:endParaRPr kumimoji="0" lang="en-US" sz="1600" b="0" i="0" u="none" strike="noStrike" kern="1200" cap="none" spc="0" normalizeH="0" baseline="0" noProof="0" dirty="0">
+              <a:ln>
+                <a:noFill/>
+              </a:ln>
+              <a:solidFill>
+                <a:prstClr val="black"/>
+              </a:solidFill>
+              <a:effectLst/>
+              <a:uLnTx/>
+              <a:uFillTx/>
+              <a:latin typeface="Calibri" panose="020F0502020204030204" pitchFamily="34" charset="0"/>
+              <a:ea typeface="Calibri" panose="020F0502020204030204" pitchFamily="34" charset="0"/>
+              <a:cs typeface="Calibri" panose="020F0502020204030204" pitchFamily="34" charset="0"/>
+            </a:endParaRPr>
+          </a:p>
+        </p:txBody>
+      </p:sp>
+      <p:sp>
+        <p:nvSpPr>
+          <p:cNvPr id="17" name="FormField_TextBox 16">
+            <a:extLst>
+              <a:ext uri="{FF2B5EF4-FFF2-40B4-BE49-F238E27FC236}">
+                <a16:creationId xmlns:a16="http://schemas.microsoft.com/office/drawing/2014/main" id="{A17898EB-B710-4263-979C-BAC979F02489}"/>
+              </a:ext>
+            </a:extLst>
+          </p:cNvPr>
+          <p:cNvSpPr txBox="1"/>
+          <p:nvPr/>
+        </p:nvSpPr>
+        <p:spPr>
+          <a:xfrm>
+            <a:off x="2553927" y="2304288"/>
+            <a:ext cx="1522020" cy="375552"/>
+          </a:xfrm>
+          <a:prstGeom prst="rect">
+            <a:avLst/>
+          </a:prstGeom>
+          <a:noFill/>
+        </p:spPr>
+        <p:txBody>
+          <a:bodyPr wrap="none" rtlCol="0">
+            <a:spAutoFit/>
+          </a:bodyPr>
+          <a:lstStyle/>
+          <a:p>
+            <a:pPr marL="0" marR="0" lvl="0" indent="0" algn="l" defTabSz="914400" rtl="0" eaLnBrk="1" fontAlgn="auto" latinLnBrk="0" hangingPunct="1">
+              <a:lnSpc>
+                <a:spcPct val="107000"/>
+              </a:lnSpc>
+              <a:spcBef>
+                <a:spcPts val="0"/>
+              </a:spcBef>
+              <a:spcAft>
+                <a:spcPts val="2400"/>
+              </a:spcAft>
+              <a:buClrTx/>
+              <a:buSzTx/>
+              <a:buFontTx/>
+              <a:buNone/>
+              <a:tabLst/>
+              <a:defRPr/>
+            </a:pPr>
+            <a:r>
+              <a:rPr kumimoji="0" lang="en-US" sz="1800" b="0" i="0" u="none" strike="noStrike" kern="1200" cap="none" spc="0" normalizeH="0" baseline="0" noProof="0" dirty="0">
+                <a:ln>
+                  <a:noFill/>
+                </a:ln>
+                <a:solidFill>
+                  <a:prstClr val="black"/>
+                </a:solidFill>
+                <a:effectLst/>
+                <a:uLnTx/>
+                <a:uFillTx/>
+                <a:latin typeface="Calibri" panose="020F0502020204030204" pitchFamily="34" charset="0"/>
+                <a:ea typeface="Calibri" panose="020F0502020204030204" pitchFamily="34" charset="0"/>
+                <a:cs typeface="Calibri" panose="020F0502020204030204" pitchFamily="34" charset="0"/>
+              </a:rPr>
+              <a:t>Nancy </a:t>
+            </a:r>
+            <a:r>
+              <a:rPr kumimoji="0" lang="en-US" sz="1800" b="0" i="0" u="none" strike="noStrike" kern="1200" cap="none" spc="0" normalizeH="0" baseline="0" noProof="0" dirty="0" err="1">
+                <a:ln>
+                  <a:noFill/>
+                </a:ln>
+                <a:solidFill>
+                  <a:prstClr val="black"/>
+                </a:solidFill>
+                <a:effectLst/>
+                <a:uLnTx/>
+                <a:uFillTx/>
+                <a:latin typeface="Calibri" panose="020F0502020204030204" pitchFamily="34" charset="0"/>
+                <a:ea typeface="Calibri" panose="020F0502020204030204" pitchFamily="34" charset="0"/>
+                <a:cs typeface="Calibri" panose="020F0502020204030204" pitchFamily="34" charset="0"/>
+              </a:rPr>
+              <a:t>Davolio</a:t>
+            </a:r>
+            <a:endParaRPr kumimoji="0" lang="en-US" sz="1600" b="0" i="0" u="none" strike="noStrike" kern="1200" cap="none" spc="0" normalizeH="0" baseline="0" noProof="0" dirty="0">
+              <a:ln>
+                <a:noFill/>
+              </a:ln>
+              <a:solidFill>
+                <a:prstClr val="black"/>
+              </a:solidFill>
+              <a:effectLst/>
+              <a:uLnTx/>
+              <a:uFillTx/>
+              <a:latin typeface="Calibri" panose="020F0502020204030204" pitchFamily="34" charset="0"/>
+              <a:ea typeface="Calibri" panose="020F0502020204030204" pitchFamily="34" charset="0"/>
+              <a:cs typeface="Calibri" panose="020F0502020204030204" pitchFamily="34" charset="0"/>
+            </a:endParaRPr>
+          </a:p>
+        </p:txBody>
+      </p:sp>
+      <p:sp>
+        <p:nvSpPr>
+          <p:cNvPr id="18" name="TextBox 17">
+            <a:extLst>
+              <a:ext uri="{FF2B5EF4-FFF2-40B4-BE49-F238E27FC236}">
+                <a16:creationId xmlns:a16="http://schemas.microsoft.com/office/drawing/2014/main" id="{D136B717-11D3-4971-B044-FBCF4FCCE792}"/>
+              </a:ext>
+            </a:extLst>
+          </p:cNvPr>
+          <p:cNvSpPr txBox="1"/>
+          <p:nvPr/>
+        </p:nvSpPr>
+        <p:spPr>
+          <a:xfrm>
+            <a:off x="7269480" y="950976"/>
+            <a:ext cx="1529310" cy="377860"/>
+          </a:xfrm>
+          <a:prstGeom prst="rect">
+            <a:avLst/>
+          </a:prstGeom>
+          <a:noFill/>
+        </p:spPr>
+        <p:txBody>
+          <a:bodyPr wrap="square">
+            <a:spAutoFit/>
+          </a:bodyPr>
+          <a:lstStyle/>
+          <a:p>
+            <a:pPr marL="0" marR="0" lvl="0" indent="0" algn="l" defTabSz="914400" rtl="0" eaLnBrk="1" fontAlgn="auto" latinLnBrk="0" hangingPunct="1">
+              <a:lnSpc>
+                <a:spcPct val="107000"/>
+              </a:lnSpc>
+              <a:spcBef>
+                <a:spcPts val="0"/>
+              </a:spcBef>
+              <a:spcAft>
+                <a:spcPts val="2400"/>
+              </a:spcAft>
+              <a:buClrTx/>
+              <a:buSzTx/>
+              <a:buFontTx/>
+              <a:buNone/>
+              <a:tabLst/>
+              <a:defRPr/>
+            </a:pPr>
+            <a:r>
+              <a:rPr kumimoji="0" lang="en-US" sz="1800" b="1" i="0" u="none" strike="noStrike" kern="1200" cap="none" spc="0" normalizeH="0" baseline="0" noProof="0" dirty="0">
+                <a:ln>
+                  <a:noFill/>
+                </a:ln>
+                <a:solidFill>
+                  <a:prstClr val="black"/>
+                </a:solidFill>
+                <a:effectLst/>
+                <a:uLnTx/>
+                <a:uFillTx/>
+                <a:latin typeface="Calibri" panose="020F0502020204030204" pitchFamily="34" charset="0"/>
+                <a:ea typeface="Calibri" panose="020F0502020204030204" pitchFamily="34" charset="0"/>
+                <a:cs typeface="Calibri" panose="020F0502020204030204" pitchFamily="34" charset="0"/>
+              </a:rPr>
+              <a:t>Team size :</a:t>
+            </a:r>
+            <a:endParaRPr kumimoji="0" lang="en-US" sz="1600" b="1" i="0" u="none" strike="noStrike" kern="1200" cap="none" spc="0" normalizeH="0" baseline="0" noProof="0" dirty="0">
+              <a:ln>
+                <a:noFill/>
+              </a:ln>
+              <a:solidFill>
+                <a:prstClr val="black"/>
+              </a:solidFill>
+              <a:effectLst/>
+              <a:uLnTx/>
+              <a:uFillTx/>
+              <a:latin typeface="Calibri" panose="020F0502020204030204" pitchFamily="34" charset="0"/>
+              <a:ea typeface="Calibri" panose="020F0502020204030204" pitchFamily="34" charset="0"/>
+              <a:cs typeface="Calibri" panose="020F0502020204030204" pitchFamily="34" charset="0"/>
+            </a:endParaRPr>
+          </a:p>
+        </p:txBody>
+      </p:sp>
+      <p:sp>
+        <p:nvSpPr>
+          <p:cNvPr id="19" name="FormField_TextBox 18">
+            <a:extLst>
+              <a:ext uri="{FF2B5EF4-FFF2-40B4-BE49-F238E27FC236}">
+                <a16:creationId xmlns:a16="http://schemas.microsoft.com/office/drawing/2014/main" id="{5B21B834-966A-2688-BCAF-326339EBDE33}"/>
+              </a:ext>
+            </a:extLst>
+          </p:cNvPr>
+          <p:cNvSpPr txBox="1"/>
+          <p:nvPr/>
+        </p:nvSpPr>
+        <p:spPr>
+          <a:xfrm>
+            <a:off x="8823960" y="950976"/>
+            <a:ext cx="431528" cy="377860"/>
+          </a:xfrm>
+          <a:prstGeom prst="rect">
+            <a:avLst/>
+          </a:prstGeom>
+          <a:noFill/>
+        </p:spPr>
+        <p:txBody>
+          <a:bodyPr wrap="none" rtlCol="0">
+            <a:spAutoFit/>
+          </a:bodyPr>
+          <a:lstStyle/>
+          <a:p>
+            <a:pPr marL="0" marR="0" lvl="0" indent="0" algn="l" defTabSz="914400" rtl="0" eaLnBrk="1" fontAlgn="auto" latinLnBrk="0" hangingPunct="1">
+              <a:lnSpc>
+                <a:spcPct val="107000"/>
+              </a:lnSpc>
+              <a:spcBef>
+                <a:spcPts val="0"/>
+              </a:spcBef>
+              <a:spcAft>
+                <a:spcPts val="2400"/>
+              </a:spcAft>
+              <a:buClrTx/>
+              <a:buSzTx/>
+              <a:buFontTx/>
+              <a:buNone/>
+              <a:tabLst/>
+              <a:defRPr/>
+            </a:pPr>
+            <a:r>
+              <a:rPr kumimoji="0" lang="en-US" sz="1800" b="0" i="0" u="none" strike="noStrike" kern="1200" cap="none" spc="0" normalizeH="0" baseline="0" noProof="0" dirty="0">
+                <a:ln>
+                  <a:noFill/>
+                </a:ln>
+                <a:solidFill>
+                  <a:prstClr val="black"/>
+                </a:solidFill>
+                <a:effectLst/>
+                <a:uLnTx/>
+                <a:uFillTx/>
+                <a:latin typeface="Calibri" panose="020F0502020204030204" pitchFamily="34" charset="0"/>
+                <a:ea typeface="Calibri" panose="020F0502020204030204" pitchFamily="34" charset="0"/>
+                <a:cs typeface="Calibri" panose="020F0502020204030204" pitchFamily="34" charset="0"/>
+              </a:rPr>
+              <a:t>10</a:t>
+            </a:r>
+            <a:endParaRPr kumimoji="0" lang="en-US" sz="1600" b="0" i="0" u="none" strike="noStrike" kern="1200" cap="none" spc="0" normalizeH="0" baseline="0" noProof="0" dirty="0">
+              <a:ln>
+                <a:noFill/>
+              </a:ln>
+              <a:solidFill>
+                <a:prstClr val="black"/>
+              </a:solidFill>
+              <a:effectLst/>
+              <a:uLnTx/>
+              <a:uFillTx/>
+              <a:latin typeface="Calibri" panose="020F0502020204030204" pitchFamily="34" charset="0"/>
+              <a:ea typeface="Calibri" panose="020F0502020204030204" pitchFamily="34" charset="0"/>
+              <a:cs typeface="Calibri" panose="020F0502020204030204" pitchFamily="34" charset="0"/>
+            </a:endParaRPr>
+          </a:p>
+        </p:txBody>
+      </p:sp>
+      <p:sp>
+        <p:nvSpPr>
+          <p:cNvPr id="20" name="TextBox 19">
+            <a:extLst>
+              <a:ext uri="{FF2B5EF4-FFF2-40B4-BE49-F238E27FC236}">
+                <a16:creationId xmlns:a16="http://schemas.microsoft.com/office/drawing/2014/main" id="{405656A6-995A-F969-B802-85CA147C7C38}"/>
+              </a:ext>
+            </a:extLst>
+          </p:cNvPr>
+          <p:cNvSpPr txBox="1"/>
+          <p:nvPr/>
+        </p:nvSpPr>
+        <p:spPr>
+          <a:xfrm>
+            <a:off x="7269480" y="1371600"/>
+            <a:ext cx="1529310" cy="377860"/>
+          </a:xfrm>
+          <a:prstGeom prst="rect">
+            <a:avLst/>
+          </a:prstGeom>
+          <a:noFill/>
+        </p:spPr>
+        <p:txBody>
+          <a:bodyPr wrap="square">
+            <a:spAutoFit/>
+          </a:bodyPr>
+          <a:lstStyle/>
+          <a:p>
+            <a:pPr marL="0" marR="0" lvl="0" indent="0" algn="l" defTabSz="914400" rtl="0" eaLnBrk="1" fontAlgn="auto" latinLnBrk="0" hangingPunct="1">
+              <a:lnSpc>
+                <a:spcPct val="107000"/>
+              </a:lnSpc>
+              <a:spcBef>
+                <a:spcPts val="0"/>
+              </a:spcBef>
+              <a:spcAft>
+                <a:spcPts val="2400"/>
+              </a:spcAft>
+              <a:buClrTx/>
+              <a:buSzTx/>
+              <a:buFontTx/>
+              <a:buNone/>
+              <a:tabLst/>
+              <a:defRPr/>
+            </a:pPr>
+            <a:r>
+              <a:rPr kumimoji="0" lang="en-US" sz="1800" b="1" i="0" u="none" strike="noStrike" kern="1200" cap="none" spc="0" normalizeH="0" baseline="0" noProof="0" dirty="0">
+                <a:ln>
+                  <a:noFill/>
+                </a:ln>
+                <a:solidFill>
+                  <a:prstClr val="black"/>
+                </a:solidFill>
+                <a:effectLst/>
+                <a:uLnTx/>
+                <a:uFillTx/>
+                <a:latin typeface="Calibri" panose="020F0502020204030204" pitchFamily="34" charset="0"/>
+                <a:ea typeface="Calibri" panose="020F0502020204030204" pitchFamily="34" charset="0"/>
+                <a:cs typeface="Calibri" panose="020F0502020204030204" pitchFamily="34" charset="0"/>
+              </a:rPr>
+              <a:t>Platform : </a:t>
+            </a:r>
+            <a:endParaRPr kumimoji="0" lang="en-US" sz="1600" b="1" i="0" u="none" strike="noStrike" kern="1200" cap="none" spc="0" normalizeH="0" baseline="0" noProof="0" dirty="0">
+              <a:ln>
+                <a:noFill/>
+              </a:ln>
+              <a:solidFill>
+                <a:prstClr val="black"/>
+              </a:solidFill>
+              <a:effectLst/>
+              <a:uLnTx/>
+              <a:uFillTx/>
+              <a:latin typeface="Calibri" panose="020F0502020204030204" pitchFamily="34" charset="0"/>
+              <a:ea typeface="Calibri" panose="020F0502020204030204" pitchFamily="34" charset="0"/>
+              <a:cs typeface="Calibri" panose="020F0502020204030204" pitchFamily="34" charset="0"/>
+            </a:endParaRPr>
+          </a:p>
+        </p:txBody>
+      </p:sp>
+      <p:sp>
+        <p:nvSpPr>
+          <p:cNvPr id="21" name="FormField_TextBox 20">
+            <a:extLst>
+              <a:ext uri="{FF2B5EF4-FFF2-40B4-BE49-F238E27FC236}">
+                <a16:creationId xmlns:a16="http://schemas.microsoft.com/office/drawing/2014/main" id="{62853D8A-7E05-98FC-3526-19891F888550}"/>
+              </a:ext>
+            </a:extLst>
+          </p:cNvPr>
+          <p:cNvSpPr txBox="1"/>
+          <p:nvPr/>
+        </p:nvSpPr>
+        <p:spPr>
+          <a:xfrm>
+            <a:off x="8823960" y="1371600"/>
+            <a:ext cx="943913" cy="375552"/>
+          </a:xfrm>
+          <a:prstGeom prst="rect">
+            <a:avLst/>
+          </a:prstGeom>
+          <a:noFill/>
+        </p:spPr>
+        <p:txBody>
+          <a:bodyPr wrap="none" rtlCol="0">
+            <a:spAutoFit/>
+          </a:bodyPr>
+          <a:lstStyle/>
+          <a:p>
+            <a:pPr marL="0" marR="0" lvl="0" indent="0" algn="l" defTabSz="914400" rtl="0" eaLnBrk="1" fontAlgn="auto" latinLnBrk="0" hangingPunct="1">
+              <a:lnSpc>
+                <a:spcPct val="107000"/>
+              </a:lnSpc>
+              <a:spcBef>
+                <a:spcPts val="0"/>
+              </a:spcBef>
+              <a:spcAft>
+                <a:spcPts val="2400"/>
+              </a:spcAft>
+              <a:buClrTx/>
+              <a:buSzTx/>
+              <a:buFontTx/>
+              <a:buNone/>
+              <a:tabLst/>
+              <a:defRPr/>
+            </a:pPr>
+            <a:r>
+              <a:rPr kumimoji="0" lang="en-US" sz="1800" b="0" i="0" u="none" strike="noStrike" kern="1200" cap="none" spc="0" normalizeH="0" baseline="0" noProof="0" dirty="0">
+                <a:ln>
+                  <a:noFill/>
+                </a:ln>
+                <a:solidFill>
+                  <a:prstClr val="black"/>
+                </a:solidFill>
+                <a:effectLst/>
+                <a:uLnTx/>
+                <a:uFillTx/>
+                <a:latin typeface="Calibri" panose="020F0502020204030204" pitchFamily="34" charset="0"/>
+                <a:ea typeface="Calibri" panose="020F0502020204030204" pitchFamily="34" charset="0"/>
+                <a:cs typeface="Calibri" panose="020F0502020204030204" pitchFamily="34" charset="0"/>
+              </a:rPr>
+              <a:t>ASP.NET</a:t>
+            </a:r>
+            <a:endParaRPr kumimoji="0" lang="en-US" sz="1600" b="0" i="0" u="none" strike="noStrike" kern="1200" cap="none" spc="0" normalizeH="0" baseline="0" noProof="0" dirty="0">
+              <a:ln>
+                <a:noFill/>
+              </a:ln>
+              <a:solidFill>
+                <a:prstClr val="black"/>
+              </a:solidFill>
+              <a:effectLst/>
+              <a:uLnTx/>
+              <a:uFillTx/>
+              <a:latin typeface="Calibri" panose="020F0502020204030204" pitchFamily="34" charset="0"/>
+              <a:ea typeface="Calibri" panose="020F0502020204030204" pitchFamily="34" charset="0"/>
+              <a:cs typeface="Calibri" panose="020F0502020204030204" pitchFamily="34" charset="0"/>
+            </a:endParaRPr>
+          </a:p>
+        </p:txBody>
+      </p:sp>
+      <p:sp>
+        <p:nvSpPr>
+          <p:cNvPr id="22" name="TextBox 21">
+            <a:extLst>
+              <a:ext uri="{FF2B5EF4-FFF2-40B4-BE49-F238E27FC236}">
+                <a16:creationId xmlns:a16="http://schemas.microsoft.com/office/drawing/2014/main" id="{C164C8A2-E2E5-A20A-E797-867D92DF49F3}"/>
+              </a:ext>
+            </a:extLst>
+          </p:cNvPr>
+          <p:cNvSpPr txBox="1"/>
+          <p:nvPr/>
+        </p:nvSpPr>
+        <p:spPr>
+          <a:xfrm>
+            <a:off x="7269480" y="1792224"/>
+            <a:ext cx="1529310" cy="369332"/>
+          </a:xfrm>
+          <a:prstGeom prst="rect">
+            <a:avLst/>
+          </a:prstGeom>
+          <a:noFill/>
+        </p:spPr>
+        <p:txBody>
+          <a:bodyPr wrap="square">
+            <a:spAutoFit/>
+          </a:bodyPr>
+          <a:lstStyle/>
+          <a:p>
+            <a:pPr marL="0" marR="0" lvl="0" indent="0" algn="l" defTabSz="914400" rtl="0" eaLnBrk="1" fontAlgn="auto" latinLnBrk="0" hangingPunct="1">
+              <a:lnSpc>
+                <a:spcPct val="100000"/>
+              </a:lnSpc>
+              <a:spcBef>
+                <a:spcPts val="0"/>
+              </a:spcBef>
+              <a:spcAft>
+                <a:spcPts val="0"/>
+              </a:spcAft>
+              <a:buClrTx/>
+              <a:buSzTx/>
+              <a:buFontTx/>
+              <a:buNone/>
+              <a:tabLst/>
+              <a:defRPr/>
+            </a:pPr>
+            <a:r>
+              <a:rPr kumimoji="0" lang="en-US" sz="1800" b="1" i="0" u="none" strike="noStrike" kern="1200" cap="none" spc="0" normalizeH="0" baseline="0" noProof="0" dirty="0">
+                <a:ln>
+                  <a:noFill/>
+                </a:ln>
+                <a:solidFill>
+                  <a:prstClr val="black"/>
+                </a:solidFill>
+                <a:effectLst/>
+                <a:uLnTx/>
+                <a:uFillTx/>
+                <a:latin typeface="Calibri" panose="020F0502020204030204" pitchFamily="34" charset="0"/>
+                <a:ea typeface="Calibri" panose="020F0502020204030204" pitchFamily="34" charset="0"/>
+                <a:cs typeface="Calibri" panose="020F0502020204030204" pitchFamily="34" charset="0"/>
+              </a:rPr>
+              <a:t>Start Date :</a:t>
+            </a:r>
+          </a:p>
+        </p:txBody>
+      </p:sp>
+      <p:sp>
+        <p:nvSpPr>
+          <p:cNvPr id="23" name="FormField_TextBox 22">
+            <a:extLst>
+              <a:ext uri="{FF2B5EF4-FFF2-40B4-BE49-F238E27FC236}">
+                <a16:creationId xmlns:a16="http://schemas.microsoft.com/office/drawing/2014/main" id="{AB939302-6A65-F684-5DDD-E6C2DA5686C4}"/>
+              </a:ext>
+            </a:extLst>
+          </p:cNvPr>
+          <p:cNvSpPr txBox="1"/>
+          <p:nvPr/>
+        </p:nvSpPr>
+        <p:spPr>
+          <a:xfrm>
+            <a:off x="8823960" y="1792224"/>
+            <a:ext cx="1183337" cy="369332"/>
+          </a:xfrm>
+          <a:prstGeom prst="rect">
+            <a:avLst/>
+          </a:prstGeom>
+          <a:noFill/>
+        </p:spPr>
+        <p:txBody>
+          <a:bodyPr wrap="none" rtlCol="0">
+            <a:spAutoFit/>
+          </a:bodyPr>
+          <a:lstStyle/>
+          <a:p>
+            <a:pPr marL="0" marR="0" lvl="0" indent="0" algn="l" defTabSz="914400" rtl="0" eaLnBrk="1" fontAlgn="auto" latinLnBrk="0" hangingPunct="1">
+              <a:lnSpc>
+                <a:spcPct val="100000"/>
+              </a:lnSpc>
+              <a:spcBef>
+                <a:spcPts val="0"/>
+              </a:spcBef>
+              <a:spcAft>
+                <a:spcPts val="0"/>
+              </a:spcAft>
+              <a:buClrTx/>
+              <a:buSzTx/>
+              <a:buFontTx/>
+              <a:buNone/>
+              <a:tabLst/>
+              <a:defRPr/>
+            </a:pPr>
+            <a:r>
+              <a:rPr kumimoji="0" lang="en-US" sz="1800" b="0" i="0" u="none" strike="noStrike" kern="1200" cap="none" spc="0" normalizeH="0" baseline="0" noProof="0" dirty="0">
+                <a:ln>
+                  <a:noFill/>
+                </a:ln>
+                <a:solidFill>
+                  <a:srgbClr val="000000"/>
+                </a:solidFill>
+                <a:effectLst/>
+                <a:uLnTx/>
+                <a:uFillTx/>
+                <a:latin typeface="Calibri" panose="020F0502020204030204" pitchFamily="34" charset="0"/>
+                <a:ea typeface="Calibri" panose="020F0502020204030204" pitchFamily="34" charset="0"/>
+                <a:cs typeface="Calibri" panose="020F0502020204030204" pitchFamily="34" charset="0"/>
+              </a:rPr>
+              <a:t>2/27/2025</a:t>
+            </a:r>
+            <a:endParaRPr kumimoji="0" lang="en-US" sz="1800" b="0" i="0" u="none" strike="noStrike" kern="1200" cap="none" spc="0" normalizeH="0" baseline="0" noProof="0" dirty="0">
+              <a:ln>
+                <a:noFill/>
+              </a:ln>
+              <a:solidFill>
+                <a:prstClr val="black"/>
+              </a:solidFill>
+              <a:effectLst/>
+              <a:uLnTx/>
+              <a:uFillTx/>
+              <a:latin typeface="Calibri" panose="020F0502020204030204" pitchFamily="34" charset="0"/>
+              <a:ea typeface="Calibri" panose="020F0502020204030204" pitchFamily="34" charset="0"/>
+              <a:cs typeface="Calibri" panose="020F0502020204030204" pitchFamily="34" charset="0"/>
+            </a:endParaRPr>
+          </a:p>
+        </p:txBody>
+      </p:sp>
+      <p:sp>
+        <p:nvSpPr>
+          <p:cNvPr id="24" name="TextBox 23">
+            <a:extLst>
+              <a:ext uri="{FF2B5EF4-FFF2-40B4-BE49-F238E27FC236}">
+                <a16:creationId xmlns:a16="http://schemas.microsoft.com/office/drawing/2014/main" id="{E4BB967E-EC6B-64B4-18E4-2F07CD25E606}"/>
+              </a:ext>
+            </a:extLst>
+          </p:cNvPr>
+          <p:cNvSpPr txBox="1"/>
+          <p:nvPr/>
+        </p:nvSpPr>
+        <p:spPr>
+          <a:xfrm>
+            <a:off x="7269480" y="2304288"/>
+            <a:ext cx="1529310" cy="369332"/>
+          </a:xfrm>
+          <a:prstGeom prst="rect">
+            <a:avLst/>
+          </a:prstGeom>
+          <a:noFill/>
+        </p:spPr>
+        <p:txBody>
+          <a:bodyPr wrap="square">
+            <a:spAutoFit/>
+          </a:bodyPr>
+          <a:lstStyle/>
+          <a:p>
+            <a:pPr marL="0" marR="0" lvl="0" indent="0" algn="l" defTabSz="914400" rtl="0" eaLnBrk="1" fontAlgn="auto" latinLnBrk="0" hangingPunct="1">
+              <a:lnSpc>
+                <a:spcPct val="100000"/>
+              </a:lnSpc>
+              <a:spcBef>
+                <a:spcPts val="0"/>
+              </a:spcBef>
+              <a:spcAft>
+                <a:spcPts val="0"/>
+              </a:spcAft>
+              <a:buClrTx/>
+              <a:buSzTx/>
+              <a:buFontTx/>
+              <a:buNone/>
+              <a:tabLst/>
+              <a:defRPr/>
+            </a:pPr>
+            <a:r>
+              <a:rPr kumimoji="0" lang="en-US" sz="1800" b="1" i="0" u="none" strike="noStrike" kern="1200" cap="none" spc="0" normalizeH="0" baseline="0" noProof="0" dirty="0">
+                <a:ln>
+                  <a:noFill/>
+                </a:ln>
+                <a:solidFill>
+                  <a:prstClr val="black"/>
+                </a:solidFill>
+                <a:effectLst/>
+                <a:uLnTx/>
+                <a:uFillTx/>
+                <a:latin typeface="Calibri" panose="020F0502020204030204" pitchFamily="34" charset="0"/>
+                <a:ea typeface="Calibri" panose="020F0502020204030204" pitchFamily="34" charset="0"/>
+                <a:cs typeface="Calibri" panose="020F0502020204030204" pitchFamily="34" charset="0"/>
+              </a:rPr>
+              <a:t>End Date :</a:t>
+            </a:r>
+          </a:p>
+        </p:txBody>
+      </p:sp>
+      <p:sp>
+        <p:nvSpPr>
+          <p:cNvPr id="25" name="FormField_TextBox 24">
+            <a:extLst>
+              <a:ext uri="{FF2B5EF4-FFF2-40B4-BE49-F238E27FC236}">
+                <a16:creationId xmlns:a16="http://schemas.microsoft.com/office/drawing/2014/main" id="{BBAB2B1F-AB52-212E-0AEC-C610A5F335D4}"/>
+              </a:ext>
+            </a:extLst>
+          </p:cNvPr>
+          <p:cNvSpPr txBox="1"/>
+          <p:nvPr/>
+        </p:nvSpPr>
+        <p:spPr>
+          <a:xfrm>
+            <a:off x="8823960" y="2304288"/>
+            <a:ext cx="1183337" cy="369332"/>
+          </a:xfrm>
+          <a:prstGeom prst="rect">
+            <a:avLst/>
+          </a:prstGeom>
+          <a:noFill/>
+        </p:spPr>
+        <p:txBody>
+          <a:bodyPr wrap="none" rtlCol="0">
+            <a:spAutoFit/>
+          </a:bodyPr>
+          <a:lstStyle/>
+          <a:p>
+            <a:pPr marL="0" marR="0" lvl="0" indent="0" algn="l" defTabSz="914400" rtl="0" eaLnBrk="1" fontAlgn="auto" latinLnBrk="0" hangingPunct="1">
+              <a:lnSpc>
+                <a:spcPct val="100000"/>
+              </a:lnSpc>
+              <a:spcBef>
+                <a:spcPts val="0"/>
+              </a:spcBef>
+              <a:spcAft>
+                <a:spcPts val="0"/>
+              </a:spcAft>
+              <a:buClrTx/>
+              <a:buSzTx/>
+              <a:buFontTx/>
+              <a:buNone/>
+              <a:tabLst/>
+              <a:defRPr/>
+            </a:pPr>
+            <a:r>
+              <a:rPr kumimoji="0" lang="en-US" sz="1800" b="0" i="0" u="none" strike="noStrike" kern="1200" cap="none" spc="0" normalizeH="0" baseline="0" noProof="0" dirty="0">
+                <a:ln>
+                  <a:noFill/>
+                </a:ln>
+                <a:solidFill>
+                  <a:srgbClr val="000000"/>
+                </a:solidFill>
+                <a:effectLst/>
+                <a:uLnTx/>
+                <a:uFillTx/>
+                <a:latin typeface="Calibri" panose="020F0502020204030204" pitchFamily="34" charset="0"/>
+                <a:ea typeface="Calibri" panose="020F0502020204030204" pitchFamily="34" charset="0"/>
+                <a:cs typeface="Calibri" panose="020F0502020204030204" pitchFamily="34" charset="0"/>
+              </a:rPr>
+              <a:t>4/20/2025</a:t>
+            </a:r>
+            <a:endParaRPr kumimoji="0" lang="en-US" sz="1800" b="0" i="0" u="none" strike="noStrike" kern="1200" cap="none" spc="0" normalizeH="0" baseline="0" noProof="0" dirty="0">
+              <a:ln>
+                <a:noFill/>
+              </a:ln>
+              <a:solidFill>
+                <a:prstClr val="black"/>
+              </a:solidFill>
+              <a:effectLst/>
+              <a:uLnTx/>
+              <a:uFillTx/>
+              <a:latin typeface="Calibri" panose="020F0502020204030204" pitchFamily="34" charset="0"/>
+              <a:ea typeface="Calibri" panose="020F0502020204030204" pitchFamily="34" charset="0"/>
+              <a:cs typeface="Calibri" panose="020F0502020204030204" pitchFamily="34" charset="0"/>
+            </a:endParaRPr>
+          </a:p>
+        </p:txBody>
+      </p:sp>
+    </p:spTree>
+    <p:extLst>
+      <p:ext uri="{BB962C8B-B14F-4D97-AF65-F5344CB8AC3E}">
+        <p14:creationId xmlns:p14="http://schemas.microsoft.com/office/powerpoint/2010/main" val="3801614698"/>
+      </p:ext>
+    </p:extLst>
+  </p:cSld>
+  <p:clrMapOvr>
+    <a:masterClrMapping/>
+  </p:clrMapOvr>
+</p:sld>
+</file>
+
+<file path=ppt/slides/slide3.xml><?xml version="1.0" encoding="utf-8"?>
+<p:sld xmlns:a="http://schemas.openxmlformats.org/drawingml/2006/main" xmlns:r="http://schemas.openxmlformats.org/officeDocument/2006/relationships" xmlns:p="http://schemas.openxmlformats.org/presentationml/2006/main">
+  <p:cSld>
+    <p:spTree>
+      <p:nvGrpSpPr>
+        <p:cNvPr id="1" name=""/>
+        <p:cNvGrpSpPr/>
+        <p:nvPr/>
+      </p:nvGrpSpPr>
+      <p:grpSpPr>
+        <a:xfrm>
+          <a:off x="0" y="0"/>
+          <a:ext cx="0" cy="0"/>
+          <a:chOff x="0" y="0"/>
+          <a:chExt cx="0" cy="0"/>
+        </a:xfrm>
+      </p:grpSpPr>
       <p:sp>
         <p:nvSpPr>
           <p:cNvPr id="10" name="Title 1">
@@ -5149,7 +6914,7 @@
 </p:sld>
 </file>
 
-<file path=ppt/slides/slide3.xml><?xml version="1.0" encoding="utf-8"?>
+<file path=ppt/slides/slide4.xml><?xml version="1.0" encoding="utf-8"?>
 <p:sld xmlns:a="http://schemas.openxmlformats.org/drawingml/2006/main" xmlns:r="http://schemas.openxmlformats.org/officeDocument/2006/relationships" xmlns:p="http://schemas.openxmlformats.org/presentationml/2006/main">
   <p:cSld>
     <p:spTree>
@@ -5207,7 +6972,7 @@
 </p:sld>
 </file>
 
-<file path=ppt/slides/slide4.xml><?xml version="1.0" encoding="utf-8"?>
+<file path=ppt/slides/slide5.xml><?xml version="1.0" encoding="utf-8"?>
 <p:sld xmlns:a="http://schemas.openxmlformats.org/drawingml/2006/main" xmlns:r="http://schemas.openxmlformats.org/officeDocument/2006/relationships" xmlns:p="http://schemas.openxmlformats.org/presentationml/2006/main">
   <p:cSld>
     <p:spTree>
